--- a/L02P03 - Smartlab IOT - Databases/L02P03 - Week 04 - WorldWeather.pptx
+++ b/L02P03 - Smartlab IOT - Databases/L02P03 - Week 04 - WorldWeather.pptx
@@ -6,15 +6,41 @@
     <p:sldMasterId id="2147483670" r:id="rId5"/>
   </p:sldMasterIdLst>
   <p:notesMasterIdLst>
-    <p:notesMasterId r:id="rId9"/>
+    <p:notesMasterId r:id="rId35"/>
   </p:notesMasterIdLst>
   <p:handoutMasterIdLst>
-    <p:handoutMasterId r:id="rId10"/>
+    <p:handoutMasterId r:id="rId36"/>
   </p:handoutMasterIdLst>
   <p:sldIdLst>
     <p:sldId id="256" r:id="rId6"/>
-    <p:sldId id="388" r:id="rId7"/>
-    <p:sldId id="387" r:id="rId8"/>
+    <p:sldId id="390" r:id="rId7"/>
+    <p:sldId id="391" r:id="rId8"/>
+    <p:sldId id="392" r:id="rId9"/>
+    <p:sldId id="393" r:id="rId10"/>
+    <p:sldId id="394" r:id="rId11"/>
+    <p:sldId id="388" r:id="rId12"/>
+    <p:sldId id="389" r:id="rId13"/>
+    <p:sldId id="395" r:id="rId14"/>
+    <p:sldId id="396" r:id="rId15"/>
+    <p:sldId id="397" r:id="rId16"/>
+    <p:sldId id="398" r:id="rId17"/>
+    <p:sldId id="399" r:id="rId18"/>
+    <p:sldId id="401" r:id="rId19"/>
+    <p:sldId id="400" r:id="rId20"/>
+    <p:sldId id="402" r:id="rId21"/>
+    <p:sldId id="403" r:id="rId22"/>
+    <p:sldId id="404" r:id="rId23"/>
+    <p:sldId id="405" r:id="rId24"/>
+    <p:sldId id="406" r:id="rId25"/>
+    <p:sldId id="407" r:id="rId26"/>
+    <p:sldId id="408" r:id="rId27"/>
+    <p:sldId id="409" r:id="rId28"/>
+    <p:sldId id="410" r:id="rId29"/>
+    <p:sldId id="411" r:id="rId30"/>
+    <p:sldId id="412" r:id="rId31"/>
+    <p:sldId id="413" r:id="rId32"/>
+    <p:sldId id="414" r:id="rId33"/>
+    <p:sldId id="387" r:id="rId34"/>
   </p:sldIdLst>
   <p:sldSz cx="12192000" cy="6858000"/>
   <p:notesSz cx="6797675" cy="9926638"/>
@@ -899,7 +925,7 @@
           <a:p>
             <a:fld id="{25ED37B6-3D2B-42F6-B75F-7E9C925A2B78}" type="datetimeFigureOut">
               <a:rPr lang="nl-NL" smtClean="0"/>
-              <a:t>07-03-2022</a:t>
+              <a:t>17-3-2023</a:t>
             </a:fld>
             <a:endParaRPr lang="nl-NL"/>
           </a:p>
@@ -965,7 +991,7 @@
           <a:p>
             <a:fld id="{70D9F7AB-EA22-43B3-A547-9779962390FA}" type="slidenum">
               <a:rPr lang="nl-NL" smtClean="0"/>
-              <a:t>‹#›</a:t>
+              <a:t>‹nr.›</a:t>
             </a:fld>
             <a:endParaRPr lang="nl-NL"/>
           </a:p>
@@ -1064,7 +1090,7 @@
           <a:p>
             <a:fld id="{67D95C54-6F9B-4C49-BF56-4D62B2D71ED9}" type="datetimeFigureOut">
               <a:rPr lang="nl-NL" smtClean="0"/>
-              <a:t>07-03-2022</a:t>
+              <a:t>17-3-2023</a:t>
             </a:fld>
             <a:endParaRPr lang="nl-NL"/>
           </a:p>
@@ -1222,7 +1248,7 @@
           <a:p>
             <a:fld id="{03F426EE-4AAC-45A7-A5E5-372300C4F3E7}" type="slidenum">
               <a:rPr lang="nl-NL" smtClean="0"/>
-              <a:t>‹#›</a:t>
+              <a:t>‹nr.›</a:t>
             </a:fld>
             <a:endParaRPr lang="nl-NL"/>
           </a:p>
@@ -5372,12 +5398,13 @@
           <a:lstStyle/>
           <a:p>
             <a:r>
-              <a:rPr lang="nl-NL" sz="8800" dirty="0"/>
-              <a:t>Project</a:t>
-            </a:r>
-            <a:br>
-              <a:rPr lang="nl-NL" dirty="0"/>
-            </a:br>
+              <a:rPr lang="nl-NL" sz="8800" dirty="0" smtClean="0"/>
+              <a:t>Importeren CSV in </a:t>
+            </a:r>
+            <a:r>
+              <a:rPr lang="nl-NL" sz="8800" dirty="0" err="1" smtClean="0"/>
+              <a:t>db</a:t>
+            </a:r>
             <a:endParaRPr lang="nl-NL" dirty="0"/>
           </a:p>
         </p:txBody>
@@ -5425,6 +5452,1152 @@
   <p:clrMapOvr>
     <a:masterClrMapping/>
   </p:clrMapOvr>
+  <p:timing>
+    <p:tnLst>
+      <p:par>
+        <p:cTn id="1" dur="indefinite" restart="never" nodeType="tmRoot"/>
+      </p:par>
+    </p:tnLst>
+  </p:timing>
+</p:sld>
+</file>
+
+<file path=ppt/slides/slide10.xml><?xml version="1.0" encoding="utf-8"?>
+<p:sld xmlns:a="http://schemas.openxmlformats.org/drawingml/2006/main" xmlns:r="http://schemas.openxmlformats.org/officeDocument/2006/relationships" xmlns:p="http://schemas.openxmlformats.org/presentationml/2006/main">
+  <p:cSld>
+    <p:spTree>
+      <p:nvGrpSpPr>
+        <p:cNvPr id="1" name=""/>
+        <p:cNvGrpSpPr/>
+        <p:nvPr/>
+      </p:nvGrpSpPr>
+      <p:grpSpPr>
+        <a:xfrm>
+          <a:off x="0" y="0"/>
+          <a:ext cx="0" cy="0"/>
+          <a:chOff x="0" y="0"/>
+          <a:chExt cx="0" cy="0"/>
+        </a:xfrm>
+      </p:grpSpPr>
+      <p:sp>
+        <p:nvSpPr>
+          <p:cNvPr id="2" name="Titel 1"/>
+          <p:cNvSpPr>
+            <a:spLocks noGrp="1"/>
+          </p:cNvSpPr>
+          <p:nvPr>
+            <p:ph type="title"/>
+          </p:nvPr>
+        </p:nvSpPr>
+        <p:spPr/>
+        <p:txBody>
+          <a:bodyPr/>
+          <a:lstStyle/>
+          <a:p>
+            <a:r>
+              <a:rPr lang="nl-NL" dirty="0" smtClean="0"/>
+              <a:t>In nieuwe tabel importeren</a:t>
+            </a:r>
+            <a:endParaRPr lang="nl-NL" dirty="0"/>
+          </a:p>
+        </p:txBody>
+      </p:sp>
+      <p:sp>
+        <p:nvSpPr>
+          <p:cNvPr id="3" name="Tijdelijke aanduiding voor inhoud 2"/>
+          <p:cNvSpPr>
+            <a:spLocks noGrp="1"/>
+          </p:cNvSpPr>
+          <p:nvPr>
+            <p:ph sz="half" idx="2"/>
+          </p:nvPr>
+        </p:nvSpPr>
+        <p:spPr/>
+        <p:txBody>
+          <a:bodyPr/>
+          <a:lstStyle/>
+          <a:p>
+            <a:endParaRPr lang="nl-NL"/>
+          </a:p>
+        </p:txBody>
+      </p:sp>
+      <p:pic>
+        <p:nvPicPr>
+          <p:cNvPr id="4" name="Afbeelding 3"/>
+          <p:cNvPicPr>
+            <a:picLocks noChangeAspect="1"/>
+          </p:cNvPicPr>
+          <p:nvPr/>
+        </p:nvPicPr>
+        <p:blipFill>
+          <a:blip r:embed="rId2"/>
+          <a:stretch>
+            <a:fillRect/>
+          </a:stretch>
+        </p:blipFill>
+        <p:spPr>
+          <a:xfrm>
+            <a:off x="838800" y="1611190"/>
+            <a:ext cx="10698204" cy="4958273"/>
+          </a:xfrm>
+          <a:prstGeom prst="rect">
+            <a:avLst/>
+          </a:prstGeom>
+        </p:spPr>
+      </p:pic>
+    </p:spTree>
+    <p:extLst>
+      <p:ext uri="{BB962C8B-B14F-4D97-AF65-F5344CB8AC3E}">
+        <p14:creationId xmlns:p14="http://schemas.microsoft.com/office/powerpoint/2010/main" val="2950906973"/>
+      </p:ext>
+    </p:extLst>
+  </p:cSld>
+  <p:clrMapOvr>
+    <a:masterClrMapping/>
+  </p:clrMapOvr>
+  <p:timing>
+    <p:tnLst>
+      <p:par>
+        <p:cTn id="1" dur="indefinite" restart="never" nodeType="tmRoot"/>
+      </p:par>
+    </p:tnLst>
+  </p:timing>
+</p:sld>
+</file>
+
+<file path=ppt/slides/slide11.xml><?xml version="1.0" encoding="utf-8"?>
+<p:sld xmlns:a="http://schemas.openxmlformats.org/drawingml/2006/main" xmlns:r="http://schemas.openxmlformats.org/officeDocument/2006/relationships" xmlns:p="http://schemas.openxmlformats.org/presentationml/2006/main">
+  <p:cSld>
+    <p:spTree>
+      <p:nvGrpSpPr>
+        <p:cNvPr id="1" name=""/>
+        <p:cNvGrpSpPr/>
+        <p:nvPr/>
+      </p:nvGrpSpPr>
+      <p:grpSpPr>
+        <a:xfrm>
+          <a:off x="0" y="0"/>
+          <a:ext cx="0" cy="0"/>
+          <a:chOff x="0" y="0"/>
+          <a:chExt cx="0" cy="0"/>
+        </a:xfrm>
+      </p:grpSpPr>
+      <p:sp>
+        <p:nvSpPr>
+          <p:cNvPr id="2" name="Titel 1"/>
+          <p:cNvSpPr>
+            <a:spLocks noGrp="1"/>
+          </p:cNvSpPr>
+          <p:nvPr>
+            <p:ph type="title"/>
+          </p:nvPr>
+        </p:nvSpPr>
+        <p:spPr/>
+        <p:txBody>
+          <a:bodyPr/>
+          <a:lstStyle/>
+          <a:p>
+            <a:r>
+              <a:rPr lang="nl-NL" dirty="0" smtClean="0"/>
+              <a:t>Met scheidingsteken (we gebruiken een </a:t>
+            </a:r>
+            <a:r>
+              <a:rPr lang="nl-NL" dirty="0" err="1" smtClean="0"/>
+              <a:t>comma</a:t>
+            </a:r>
+            <a:r>
+              <a:rPr lang="nl-NL" dirty="0"/>
+              <a:t>)</a:t>
+            </a:r>
+          </a:p>
+        </p:txBody>
+      </p:sp>
+      <p:sp>
+        <p:nvSpPr>
+          <p:cNvPr id="3" name="Tijdelijke aanduiding voor inhoud 2"/>
+          <p:cNvSpPr>
+            <a:spLocks noGrp="1"/>
+          </p:cNvSpPr>
+          <p:nvPr>
+            <p:ph sz="half" idx="2"/>
+          </p:nvPr>
+        </p:nvSpPr>
+        <p:spPr/>
+        <p:txBody>
+          <a:bodyPr/>
+          <a:lstStyle/>
+          <a:p>
+            <a:endParaRPr lang="nl-NL"/>
+          </a:p>
+        </p:txBody>
+      </p:sp>
+      <p:pic>
+        <p:nvPicPr>
+          <p:cNvPr id="4" name="Afbeelding 3"/>
+          <p:cNvPicPr>
+            <a:picLocks noChangeAspect="1"/>
+          </p:cNvPicPr>
+          <p:nvPr/>
+        </p:nvPicPr>
+        <p:blipFill>
+          <a:blip r:embed="rId2"/>
+          <a:stretch>
+            <a:fillRect/>
+          </a:stretch>
+        </p:blipFill>
+        <p:spPr>
+          <a:xfrm>
+            <a:off x="838800" y="1574454"/>
+            <a:ext cx="9354856" cy="4467849"/>
+          </a:xfrm>
+          <a:prstGeom prst="rect">
+            <a:avLst/>
+          </a:prstGeom>
+        </p:spPr>
+      </p:pic>
+    </p:spTree>
+    <p:extLst>
+      <p:ext uri="{BB962C8B-B14F-4D97-AF65-F5344CB8AC3E}">
+        <p14:creationId xmlns:p14="http://schemas.microsoft.com/office/powerpoint/2010/main" val="240345628"/>
+      </p:ext>
+    </p:extLst>
+  </p:cSld>
+  <p:clrMapOvr>
+    <a:masterClrMapping/>
+  </p:clrMapOvr>
+  <p:timing>
+    <p:tnLst>
+      <p:par>
+        <p:cTn id="1" dur="indefinite" restart="never" nodeType="tmRoot"/>
+      </p:par>
+    </p:tnLst>
+  </p:timing>
+</p:sld>
+</file>
+
+<file path=ppt/slides/slide12.xml><?xml version="1.0" encoding="utf-8"?>
+<p:sld xmlns:a="http://schemas.openxmlformats.org/drawingml/2006/main" xmlns:r="http://schemas.openxmlformats.org/officeDocument/2006/relationships" xmlns:p="http://schemas.openxmlformats.org/presentationml/2006/main">
+  <p:cSld>
+    <p:spTree>
+      <p:nvGrpSpPr>
+        <p:cNvPr id="1" name=""/>
+        <p:cNvGrpSpPr/>
+        <p:nvPr/>
+      </p:nvGrpSpPr>
+      <p:grpSpPr>
+        <a:xfrm>
+          <a:off x="0" y="0"/>
+          <a:ext cx="0" cy="0"/>
+          <a:chOff x="0" y="0"/>
+          <a:chExt cx="0" cy="0"/>
+        </a:xfrm>
+      </p:grpSpPr>
+      <p:sp>
+        <p:nvSpPr>
+          <p:cNvPr id="2" name="Titel 1"/>
+          <p:cNvSpPr>
+            <a:spLocks noGrp="1"/>
+          </p:cNvSpPr>
+          <p:nvPr>
+            <p:ph type="title"/>
+          </p:nvPr>
+        </p:nvSpPr>
+        <p:spPr/>
+        <p:txBody>
+          <a:bodyPr/>
+          <a:lstStyle/>
+          <a:p>
+            <a:endParaRPr lang="nl-NL"/>
+          </a:p>
+        </p:txBody>
+      </p:sp>
+      <p:sp>
+        <p:nvSpPr>
+          <p:cNvPr id="3" name="Tijdelijke aanduiding voor inhoud 2"/>
+          <p:cNvSpPr>
+            <a:spLocks noGrp="1"/>
+          </p:cNvSpPr>
+          <p:nvPr>
+            <p:ph sz="half" idx="2"/>
+          </p:nvPr>
+        </p:nvSpPr>
+        <p:spPr/>
+        <p:txBody>
+          <a:bodyPr/>
+          <a:lstStyle/>
+          <a:p>
+            <a:endParaRPr lang="nl-NL"/>
+          </a:p>
+        </p:txBody>
+      </p:sp>
+      <p:pic>
+        <p:nvPicPr>
+          <p:cNvPr id="4" name="Afbeelding 3"/>
+          <p:cNvPicPr>
+            <a:picLocks noChangeAspect="1"/>
+          </p:cNvPicPr>
+          <p:nvPr/>
+        </p:nvPicPr>
+        <p:blipFill>
+          <a:blip r:embed="rId2"/>
+          <a:stretch>
+            <a:fillRect/>
+          </a:stretch>
+        </p:blipFill>
+        <p:spPr>
+          <a:xfrm>
+            <a:off x="702613" y="107004"/>
+            <a:ext cx="10042423" cy="6677586"/>
+          </a:xfrm>
+          <a:prstGeom prst="rect">
+            <a:avLst/>
+          </a:prstGeom>
+        </p:spPr>
+      </p:pic>
+      <p:sp>
+        <p:nvSpPr>
+          <p:cNvPr id="5" name="Pijl-rechts 4"/>
+          <p:cNvSpPr/>
+          <p:nvPr/>
+        </p:nvSpPr>
+        <p:spPr>
+          <a:xfrm>
+            <a:off x="116732" y="2013626"/>
+            <a:ext cx="836579" cy="447472"/>
+          </a:xfrm>
+          <a:prstGeom prst="rightArrow">
+            <a:avLst/>
+          </a:prstGeom>
+        </p:spPr>
+        <p:style>
+          <a:lnRef idx="2">
+            <a:schemeClr val="accent1">
+              <a:shade val="50000"/>
+            </a:schemeClr>
+          </a:lnRef>
+          <a:fillRef idx="1">
+            <a:schemeClr val="accent1"/>
+          </a:fillRef>
+          <a:effectRef idx="0">
+            <a:schemeClr val="accent1"/>
+          </a:effectRef>
+          <a:fontRef idx="minor">
+            <a:schemeClr val="lt1"/>
+          </a:fontRef>
+        </p:style>
+        <p:txBody>
+          <a:bodyPr rtlCol="0" anchor="ctr"/>
+          <a:lstStyle/>
+          <a:p>
+            <a:pPr algn="ctr"/>
+            <a:endParaRPr lang="nl-NL"/>
+          </a:p>
+        </p:txBody>
+      </p:sp>
+    </p:spTree>
+    <p:extLst>
+      <p:ext uri="{BB962C8B-B14F-4D97-AF65-F5344CB8AC3E}">
+        <p14:creationId xmlns:p14="http://schemas.microsoft.com/office/powerpoint/2010/main" val="1014271401"/>
+      </p:ext>
+    </p:extLst>
+  </p:cSld>
+  <p:clrMapOvr>
+    <a:masterClrMapping/>
+  </p:clrMapOvr>
+  <p:timing>
+    <p:tnLst>
+      <p:par>
+        <p:cTn id="1" dur="indefinite" restart="never" nodeType="tmRoot"/>
+      </p:par>
+    </p:tnLst>
+  </p:timing>
+</p:sld>
+</file>
+
+<file path=ppt/slides/slide13.xml><?xml version="1.0" encoding="utf-8"?>
+<p:sld xmlns:a="http://schemas.openxmlformats.org/drawingml/2006/main" xmlns:r="http://schemas.openxmlformats.org/officeDocument/2006/relationships" xmlns:p="http://schemas.openxmlformats.org/presentationml/2006/main">
+  <p:cSld>
+    <p:spTree>
+      <p:nvGrpSpPr>
+        <p:cNvPr id="1" name=""/>
+        <p:cNvGrpSpPr/>
+        <p:nvPr/>
+      </p:nvGrpSpPr>
+      <p:grpSpPr>
+        <a:xfrm>
+          <a:off x="0" y="0"/>
+          <a:ext cx="0" cy="0"/>
+          <a:chOff x="0" y="0"/>
+          <a:chExt cx="0" cy="0"/>
+        </a:xfrm>
+      </p:grpSpPr>
+      <p:sp>
+        <p:nvSpPr>
+          <p:cNvPr id="2" name="Titel 1"/>
+          <p:cNvSpPr>
+            <a:spLocks noGrp="1"/>
+          </p:cNvSpPr>
+          <p:nvPr>
+            <p:ph type="title"/>
+          </p:nvPr>
+        </p:nvSpPr>
+        <p:spPr/>
+        <p:txBody>
+          <a:bodyPr/>
+          <a:lstStyle/>
+          <a:p>
+            <a:r>
+              <a:rPr lang="nl-NL" dirty="0" smtClean="0"/>
+              <a:t>record </a:t>
+            </a:r>
+            <a:r>
+              <a:rPr lang="nl-NL" dirty="0" err="1" smtClean="0"/>
+              <a:t>id</a:t>
+            </a:r>
+            <a:endParaRPr lang="nl-NL" dirty="0"/>
+          </a:p>
+        </p:txBody>
+      </p:sp>
+      <p:sp>
+        <p:nvSpPr>
+          <p:cNvPr id="3" name="Tijdelijke aanduiding voor inhoud 2"/>
+          <p:cNvSpPr>
+            <a:spLocks noGrp="1"/>
+          </p:cNvSpPr>
+          <p:nvPr>
+            <p:ph sz="half" idx="2"/>
+          </p:nvPr>
+        </p:nvSpPr>
+        <p:spPr/>
+        <p:txBody>
+          <a:bodyPr/>
+          <a:lstStyle/>
+          <a:p>
+            <a:endParaRPr lang="nl-NL"/>
+          </a:p>
+        </p:txBody>
+      </p:sp>
+      <p:pic>
+        <p:nvPicPr>
+          <p:cNvPr id="4" name="Afbeelding 3"/>
+          <p:cNvPicPr>
+            <a:picLocks noChangeAspect="1"/>
+          </p:cNvPicPr>
+          <p:nvPr/>
+        </p:nvPicPr>
+        <p:blipFill>
+          <a:blip r:embed="rId2"/>
+          <a:stretch>
+            <a:fillRect/>
+          </a:stretch>
+        </p:blipFill>
+        <p:spPr>
+          <a:xfrm>
+            <a:off x="617285" y="1825200"/>
+            <a:ext cx="10737115" cy="4354681"/>
+          </a:xfrm>
+          <a:prstGeom prst="rect">
+            <a:avLst/>
+          </a:prstGeom>
+        </p:spPr>
+      </p:pic>
+    </p:spTree>
+    <p:extLst>
+      <p:ext uri="{BB962C8B-B14F-4D97-AF65-F5344CB8AC3E}">
+        <p14:creationId xmlns:p14="http://schemas.microsoft.com/office/powerpoint/2010/main" val="3313858455"/>
+      </p:ext>
+    </p:extLst>
+  </p:cSld>
+  <p:clrMapOvr>
+    <a:masterClrMapping/>
+  </p:clrMapOvr>
+  <p:timing>
+    <p:tnLst>
+      <p:par>
+        <p:cTn id="1" dur="indefinite" restart="never" nodeType="tmRoot"/>
+      </p:par>
+    </p:tnLst>
+  </p:timing>
+</p:sld>
+</file>
+
+<file path=ppt/slides/slide14.xml><?xml version="1.0" encoding="utf-8"?>
+<p:sld xmlns:a="http://schemas.openxmlformats.org/drawingml/2006/main" xmlns:r="http://schemas.openxmlformats.org/officeDocument/2006/relationships" xmlns:p="http://schemas.openxmlformats.org/presentationml/2006/main">
+  <p:cSld>
+    <p:spTree>
+      <p:nvGrpSpPr>
+        <p:cNvPr id="1" name=""/>
+        <p:cNvGrpSpPr/>
+        <p:nvPr/>
+      </p:nvGrpSpPr>
+      <p:grpSpPr>
+        <a:xfrm>
+          <a:off x="0" y="0"/>
+          <a:ext cx="0" cy="0"/>
+          <a:chOff x="0" y="0"/>
+          <a:chExt cx="0" cy="0"/>
+        </a:xfrm>
+      </p:grpSpPr>
+      <p:sp>
+        <p:nvSpPr>
+          <p:cNvPr id="2" name="Titel 1"/>
+          <p:cNvSpPr>
+            <a:spLocks noGrp="1"/>
+          </p:cNvSpPr>
+          <p:nvPr>
+            <p:ph type="title"/>
+          </p:nvPr>
+        </p:nvSpPr>
+        <p:spPr/>
+        <p:txBody>
+          <a:bodyPr/>
+          <a:lstStyle/>
+          <a:p>
+            <a:r>
+              <a:rPr lang="nl-NL" dirty="0" smtClean="0"/>
+              <a:t>Maand, dag en jaar zijn integers…</a:t>
+            </a:r>
+            <a:endParaRPr lang="nl-NL" dirty="0"/>
+          </a:p>
+        </p:txBody>
+      </p:sp>
+      <p:sp>
+        <p:nvSpPr>
+          <p:cNvPr id="3" name="Tijdelijke aanduiding voor inhoud 2"/>
+          <p:cNvSpPr>
+            <a:spLocks noGrp="1"/>
+          </p:cNvSpPr>
+          <p:nvPr>
+            <p:ph sz="half" idx="2"/>
+          </p:nvPr>
+        </p:nvSpPr>
+        <p:spPr/>
+        <p:txBody>
+          <a:bodyPr/>
+          <a:lstStyle/>
+          <a:p>
+            <a:endParaRPr lang="nl-NL"/>
+          </a:p>
+        </p:txBody>
+      </p:sp>
+      <p:pic>
+        <p:nvPicPr>
+          <p:cNvPr id="4" name="Afbeelding 3"/>
+          <p:cNvPicPr>
+            <a:picLocks noChangeAspect="1"/>
+          </p:cNvPicPr>
+          <p:nvPr/>
+        </p:nvPicPr>
+        <p:blipFill>
+          <a:blip r:embed="rId2"/>
+          <a:stretch>
+            <a:fillRect/>
+          </a:stretch>
+        </p:blipFill>
+        <p:spPr>
+          <a:xfrm>
+            <a:off x="945674" y="1538431"/>
+            <a:ext cx="9250066" cy="5201376"/>
+          </a:xfrm>
+          <a:prstGeom prst="rect">
+            <a:avLst/>
+          </a:prstGeom>
+        </p:spPr>
+      </p:pic>
+    </p:spTree>
+    <p:extLst>
+      <p:ext uri="{BB962C8B-B14F-4D97-AF65-F5344CB8AC3E}">
+        <p14:creationId xmlns:p14="http://schemas.microsoft.com/office/powerpoint/2010/main" val="1057997290"/>
+      </p:ext>
+    </p:extLst>
+  </p:cSld>
+  <p:clrMapOvr>
+    <a:masterClrMapping/>
+  </p:clrMapOvr>
+  <p:timing>
+    <p:tnLst>
+      <p:par>
+        <p:cTn id="1" dur="indefinite" restart="never" nodeType="tmRoot"/>
+      </p:par>
+    </p:tnLst>
+  </p:timing>
+</p:sld>
+</file>
+
+<file path=ppt/slides/slide15.xml><?xml version="1.0" encoding="utf-8"?>
+<p:sld xmlns:a="http://schemas.openxmlformats.org/drawingml/2006/main" xmlns:r="http://schemas.openxmlformats.org/officeDocument/2006/relationships" xmlns:p="http://schemas.openxmlformats.org/presentationml/2006/main">
+  <p:cSld>
+    <p:spTree>
+      <p:nvGrpSpPr>
+        <p:cNvPr id="1" name=""/>
+        <p:cNvGrpSpPr/>
+        <p:nvPr/>
+      </p:nvGrpSpPr>
+      <p:grpSpPr>
+        <a:xfrm>
+          <a:off x="0" y="0"/>
+          <a:ext cx="0" cy="0"/>
+          <a:chOff x="0" y="0"/>
+          <a:chExt cx="0" cy="0"/>
+        </a:xfrm>
+      </p:grpSpPr>
+      <p:sp>
+        <p:nvSpPr>
+          <p:cNvPr id="2" name="Titel 1"/>
+          <p:cNvSpPr>
+            <a:spLocks noGrp="1"/>
+          </p:cNvSpPr>
+          <p:nvPr>
+            <p:ph type="title"/>
+          </p:nvPr>
+        </p:nvSpPr>
+        <p:spPr/>
+        <p:txBody>
+          <a:bodyPr/>
+          <a:lstStyle/>
+          <a:p>
+            <a:r>
+              <a:rPr lang="nl-NL" dirty="0" smtClean="0"/>
+              <a:t>Temperatuur staat ook NA in :S</a:t>
+            </a:r>
+            <a:endParaRPr lang="nl-NL" dirty="0"/>
+          </a:p>
+        </p:txBody>
+      </p:sp>
+      <p:sp>
+        <p:nvSpPr>
+          <p:cNvPr id="3" name="Tijdelijke aanduiding voor inhoud 2"/>
+          <p:cNvSpPr>
+            <a:spLocks noGrp="1"/>
+          </p:cNvSpPr>
+          <p:nvPr>
+            <p:ph sz="half" idx="2"/>
+          </p:nvPr>
+        </p:nvSpPr>
+        <p:spPr/>
+        <p:txBody>
+          <a:bodyPr/>
+          <a:lstStyle/>
+          <a:p>
+            <a:endParaRPr lang="nl-NL"/>
+          </a:p>
+        </p:txBody>
+      </p:sp>
+      <p:pic>
+        <p:nvPicPr>
+          <p:cNvPr id="4" name="Afbeelding 3"/>
+          <p:cNvPicPr>
+            <a:picLocks noChangeAspect="1"/>
+          </p:cNvPicPr>
+          <p:nvPr/>
+        </p:nvPicPr>
+        <p:blipFill>
+          <a:blip r:embed="rId2"/>
+          <a:stretch>
+            <a:fillRect/>
+          </a:stretch>
+        </p:blipFill>
+        <p:spPr>
+          <a:xfrm>
+            <a:off x="1140427" y="1599466"/>
+            <a:ext cx="9269119" cy="5258534"/>
+          </a:xfrm>
+          <a:prstGeom prst="rect">
+            <a:avLst/>
+          </a:prstGeom>
+        </p:spPr>
+      </p:pic>
+    </p:spTree>
+    <p:extLst>
+      <p:ext uri="{BB962C8B-B14F-4D97-AF65-F5344CB8AC3E}">
+        <p14:creationId xmlns:p14="http://schemas.microsoft.com/office/powerpoint/2010/main" val="779748583"/>
+      </p:ext>
+    </p:extLst>
+  </p:cSld>
+  <p:clrMapOvr>
+    <a:masterClrMapping/>
+  </p:clrMapOvr>
+  <p:timing>
+    <p:tnLst>
+      <p:par>
+        <p:cTn id="1" dur="indefinite" restart="never" nodeType="tmRoot"/>
+      </p:par>
+    </p:tnLst>
+  </p:timing>
+</p:sld>
+</file>
+
+<file path=ppt/slides/slide16.xml><?xml version="1.0" encoding="utf-8"?>
+<p:sld xmlns:a="http://schemas.openxmlformats.org/drawingml/2006/main" xmlns:r="http://schemas.openxmlformats.org/officeDocument/2006/relationships" xmlns:p="http://schemas.openxmlformats.org/presentationml/2006/main">
+  <p:cSld>
+    <p:spTree>
+      <p:nvGrpSpPr>
+        <p:cNvPr id="1" name=""/>
+        <p:cNvGrpSpPr/>
+        <p:nvPr/>
+      </p:nvGrpSpPr>
+      <p:grpSpPr>
+        <a:xfrm>
+          <a:off x="0" y="0"/>
+          <a:ext cx="0" cy="0"/>
+          <a:chOff x="0" y="0"/>
+          <a:chExt cx="0" cy="0"/>
+        </a:xfrm>
+      </p:grpSpPr>
+      <p:sp>
+        <p:nvSpPr>
+          <p:cNvPr id="2" name="Titel 1"/>
+          <p:cNvSpPr>
+            <a:spLocks noGrp="1"/>
+          </p:cNvSpPr>
+          <p:nvPr>
+            <p:ph type="title"/>
+          </p:nvPr>
+        </p:nvSpPr>
+        <p:spPr/>
+        <p:txBody>
+          <a:bodyPr/>
+          <a:lstStyle/>
+          <a:p>
+            <a:r>
+              <a:rPr lang="nl-NL" dirty="0" err="1" smtClean="0"/>
+              <a:t>Primary</a:t>
+            </a:r>
+            <a:r>
+              <a:rPr lang="nl-NL" dirty="0" smtClean="0"/>
+              <a:t> </a:t>
+            </a:r>
+            <a:r>
+              <a:rPr lang="nl-NL" dirty="0" err="1" smtClean="0"/>
+              <a:t>key</a:t>
+            </a:r>
+            <a:r>
+              <a:rPr lang="nl-NL" dirty="0" smtClean="0"/>
+              <a:t> is het record </a:t>
+            </a:r>
+            <a:r>
+              <a:rPr lang="nl-NL" dirty="0" err="1" smtClean="0"/>
+              <a:t>id</a:t>
+            </a:r>
+            <a:r>
+              <a:rPr lang="nl-NL" dirty="0" smtClean="0"/>
+              <a:t>….</a:t>
+            </a:r>
+            <a:endParaRPr lang="nl-NL" dirty="0"/>
+          </a:p>
+        </p:txBody>
+      </p:sp>
+      <p:sp>
+        <p:nvSpPr>
+          <p:cNvPr id="3" name="Tijdelijke aanduiding voor inhoud 2"/>
+          <p:cNvSpPr>
+            <a:spLocks noGrp="1"/>
+          </p:cNvSpPr>
+          <p:nvPr>
+            <p:ph sz="half" idx="2"/>
+          </p:nvPr>
+        </p:nvSpPr>
+        <p:spPr/>
+        <p:txBody>
+          <a:bodyPr/>
+          <a:lstStyle/>
+          <a:p>
+            <a:endParaRPr lang="nl-NL"/>
+          </a:p>
+        </p:txBody>
+      </p:sp>
+      <p:pic>
+        <p:nvPicPr>
+          <p:cNvPr id="4" name="Afbeelding 3"/>
+          <p:cNvPicPr>
+            <a:picLocks noChangeAspect="1"/>
+          </p:cNvPicPr>
+          <p:nvPr/>
+        </p:nvPicPr>
+        <p:blipFill>
+          <a:blip r:embed="rId2"/>
+          <a:stretch>
+            <a:fillRect/>
+          </a:stretch>
+        </p:blipFill>
+        <p:spPr>
+          <a:xfrm>
+            <a:off x="838800" y="1540714"/>
+            <a:ext cx="9297698" cy="5877745"/>
+          </a:xfrm>
+          <a:prstGeom prst="rect">
+            <a:avLst/>
+          </a:prstGeom>
+        </p:spPr>
+      </p:pic>
+    </p:spTree>
+    <p:extLst>
+      <p:ext uri="{BB962C8B-B14F-4D97-AF65-F5344CB8AC3E}">
+        <p14:creationId xmlns:p14="http://schemas.microsoft.com/office/powerpoint/2010/main" val="4182948625"/>
+      </p:ext>
+    </p:extLst>
+  </p:cSld>
+  <p:clrMapOvr>
+    <a:masterClrMapping/>
+  </p:clrMapOvr>
+  <p:timing>
+    <p:tnLst>
+      <p:par>
+        <p:cTn id="1" dur="indefinite" restart="never" nodeType="tmRoot"/>
+      </p:par>
+    </p:tnLst>
+  </p:timing>
+</p:sld>
+</file>
+
+<file path=ppt/slides/slide17.xml><?xml version="1.0" encoding="utf-8"?>
+<p:sld xmlns:a="http://schemas.openxmlformats.org/drawingml/2006/main" xmlns:r="http://schemas.openxmlformats.org/officeDocument/2006/relationships" xmlns:p="http://schemas.openxmlformats.org/presentationml/2006/main">
+  <p:cSld>
+    <p:spTree>
+      <p:nvGrpSpPr>
+        <p:cNvPr id="1" name=""/>
+        <p:cNvGrpSpPr/>
+        <p:nvPr/>
+      </p:nvGrpSpPr>
+      <p:grpSpPr>
+        <a:xfrm>
+          <a:off x="0" y="0"/>
+          <a:ext cx="0" cy="0"/>
+          <a:chOff x="0" y="0"/>
+          <a:chExt cx="0" cy="0"/>
+        </a:xfrm>
+      </p:grpSpPr>
+      <p:sp>
+        <p:nvSpPr>
+          <p:cNvPr id="2" name="Titel 1"/>
+          <p:cNvSpPr>
+            <a:spLocks noGrp="1"/>
+          </p:cNvSpPr>
+          <p:nvPr>
+            <p:ph type="title"/>
+          </p:nvPr>
+        </p:nvSpPr>
+        <p:spPr/>
+        <p:txBody>
+          <a:bodyPr/>
+          <a:lstStyle/>
+          <a:p>
+            <a:r>
+              <a:rPr lang="nl-NL" dirty="0" smtClean="0"/>
+              <a:t>Shit</a:t>
+            </a:r>
+            <a:endParaRPr lang="nl-NL" dirty="0"/>
+          </a:p>
+        </p:txBody>
+      </p:sp>
+      <p:sp>
+        <p:nvSpPr>
+          <p:cNvPr id="3" name="Tijdelijke aanduiding voor inhoud 2"/>
+          <p:cNvSpPr>
+            <a:spLocks noGrp="1"/>
+          </p:cNvSpPr>
+          <p:nvPr>
+            <p:ph sz="half" idx="2"/>
+          </p:nvPr>
+        </p:nvSpPr>
+        <p:spPr/>
+        <p:txBody>
+          <a:bodyPr/>
+          <a:lstStyle/>
+          <a:p>
+            <a:endParaRPr lang="nl-NL"/>
+          </a:p>
+        </p:txBody>
+      </p:sp>
+      <p:pic>
+        <p:nvPicPr>
+          <p:cNvPr id="4" name="Afbeelding 3"/>
+          <p:cNvPicPr>
+            <a:picLocks noChangeAspect="1"/>
+          </p:cNvPicPr>
+          <p:nvPr/>
+        </p:nvPicPr>
+        <p:blipFill>
+          <a:blip r:embed="rId2"/>
+          <a:stretch>
+            <a:fillRect/>
+          </a:stretch>
+        </p:blipFill>
+        <p:spPr>
+          <a:xfrm>
+            <a:off x="1866442" y="3239215"/>
+            <a:ext cx="8011643" cy="1371791"/>
+          </a:xfrm>
+          <a:prstGeom prst="rect">
+            <a:avLst/>
+          </a:prstGeom>
+        </p:spPr>
+      </p:pic>
+    </p:spTree>
+    <p:extLst>
+      <p:ext uri="{BB962C8B-B14F-4D97-AF65-F5344CB8AC3E}">
+        <p14:creationId xmlns:p14="http://schemas.microsoft.com/office/powerpoint/2010/main" val="2708967960"/>
+      </p:ext>
+    </p:extLst>
+  </p:cSld>
+  <p:clrMapOvr>
+    <a:masterClrMapping/>
+  </p:clrMapOvr>
+  <p:timing>
+    <p:tnLst>
+      <p:par>
+        <p:cTn id="1" dur="indefinite" restart="never" nodeType="tmRoot"/>
+      </p:par>
+    </p:tnLst>
+  </p:timing>
+</p:sld>
+</file>
+
+<file path=ppt/slides/slide18.xml><?xml version="1.0" encoding="utf-8"?>
+<p:sld xmlns:a="http://schemas.openxmlformats.org/drawingml/2006/main" xmlns:r="http://schemas.openxmlformats.org/officeDocument/2006/relationships" xmlns:p="http://schemas.openxmlformats.org/presentationml/2006/main">
+  <p:cSld>
+    <p:spTree>
+      <p:nvGrpSpPr>
+        <p:cNvPr id="1" name=""/>
+        <p:cNvGrpSpPr/>
+        <p:nvPr/>
+      </p:nvGrpSpPr>
+      <p:grpSpPr>
+        <a:xfrm>
+          <a:off x="0" y="0"/>
+          <a:ext cx="0" cy="0"/>
+          <a:chOff x="0" y="0"/>
+          <a:chExt cx="0" cy="0"/>
+        </a:xfrm>
+      </p:grpSpPr>
+      <p:pic>
+        <p:nvPicPr>
+          <p:cNvPr id="4" name="Afbeelding 3"/>
+          <p:cNvPicPr>
+            <a:picLocks noChangeAspect="1"/>
+          </p:cNvPicPr>
+          <p:nvPr/>
+        </p:nvPicPr>
+        <p:blipFill>
+          <a:blip r:embed="rId2"/>
+          <a:stretch>
+            <a:fillRect/>
+          </a:stretch>
+        </p:blipFill>
+        <p:spPr>
+          <a:xfrm>
+            <a:off x="1206709" y="249722"/>
+            <a:ext cx="9449859" cy="6461526"/>
+          </a:xfrm>
+          <a:prstGeom prst="rect">
+            <a:avLst/>
+          </a:prstGeom>
+        </p:spPr>
+      </p:pic>
+      <p:sp>
+        <p:nvSpPr>
+          <p:cNvPr id="5" name="Pijl-rechts 4"/>
+          <p:cNvSpPr/>
+          <p:nvPr/>
+        </p:nvSpPr>
+        <p:spPr>
+          <a:xfrm>
+            <a:off x="97277" y="6147044"/>
+            <a:ext cx="1322961" cy="564204"/>
+          </a:xfrm>
+          <a:prstGeom prst="rightArrow">
+            <a:avLst/>
+          </a:prstGeom>
+        </p:spPr>
+        <p:style>
+          <a:lnRef idx="2">
+            <a:schemeClr val="accent1">
+              <a:shade val="50000"/>
+            </a:schemeClr>
+          </a:lnRef>
+          <a:fillRef idx="1">
+            <a:schemeClr val="accent1"/>
+          </a:fillRef>
+          <a:effectRef idx="0">
+            <a:schemeClr val="accent1"/>
+          </a:effectRef>
+          <a:fontRef idx="minor">
+            <a:schemeClr val="lt1"/>
+          </a:fontRef>
+        </p:style>
+        <p:txBody>
+          <a:bodyPr rtlCol="0" anchor="ctr"/>
+          <a:lstStyle/>
+          <a:p>
+            <a:pPr algn="ctr"/>
+            <a:endParaRPr lang="nl-NL"/>
+          </a:p>
+        </p:txBody>
+      </p:sp>
+      <p:sp>
+        <p:nvSpPr>
+          <p:cNvPr id="6" name="Pijl-rechts 5"/>
+          <p:cNvSpPr/>
+          <p:nvPr/>
+        </p:nvSpPr>
+        <p:spPr>
+          <a:xfrm rot="6765463">
+            <a:off x="8083686" y="2509737"/>
+            <a:ext cx="978408" cy="484632"/>
+          </a:xfrm>
+          <a:prstGeom prst="rightArrow">
+            <a:avLst/>
+          </a:prstGeom>
+        </p:spPr>
+        <p:style>
+          <a:lnRef idx="2">
+            <a:schemeClr val="accent1">
+              <a:shade val="50000"/>
+            </a:schemeClr>
+          </a:lnRef>
+          <a:fillRef idx="1">
+            <a:schemeClr val="accent1"/>
+          </a:fillRef>
+          <a:effectRef idx="0">
+            <a:schemeClr val="accent1"/>
+          </a:effectRef>
+          <a:fontRef idx="minor">
+            <a:schemeClr val="lt1"/>
+          </a:fontRef>
+        </p:style>
+        <p:txBody>
+          <a:bodyPr rtlCol="0" anchor="ctr"/>
+          <a:lstStyle/>
+          <a:p>
+            <a:pPr algn="ctr"/>
+            <a:endParaRPr lang="nl-NL"/>
+          </a:p>
+        </p:txBody>
+      </p:sp>
+    </p:spTree>
+    <p:extLst>
+      <p:ext uri="{BB962C8B-B14F-4D97-AF65-F5344CB8AC3E}">
+        <p14:creationId xmlns:p14="http://schemas.microsoft.com/office/powerpoint/2010/main" val="1736685717"/>
+      </p:ext>
+    </p:extLst>
+  </p:cSld>
+  <p:clrMapOvr>
+    <a:masterClrMapping/>
+  </p:clrMapOvr>
+  <p:timing>
+    <p:tnLst>
+      <p:par>
+        <p:cTn id="1" dur="indefinite" restart="never" nodeType="tmRoot"/>
+      </p:par>
+    </p:tnLst>
+  </p:timing>
+</p:sld>
+</file>
+
+<file path=ppt/slides/slide19.xml><?xml version="1.0" encoding="utf-8"?>
+<p:sld xmlns:a="http://schemas.openxmlformats.org/drawingml/2006/main" xmlns:r="http://schemas.openxmlformats.org/officeDocument/2006/relationships" xmlns:p="http://schemas.openxmlformats.org/presentationml/2006/main">
+  <p:cSld>
+    <p:spTree>
+      <p:nvGrpSpPr>
+        <p:cNvPr id="1" name=""/>
+        <p:cNvGrpSpPr/>
+        <p:nvPr/>
+      </p:nvGrpSpPr>
+      <p:grpSpPr>
+        <a:xfrm>
+          <a:off x="0" y="0"/>
+          <a:ext cx="0" cy="0"/>
+          <a:chOff x="0" y="0"/>
+          <a:chExt cx="0" cy="0"/>
+        </a:xfrm>
+      </p:grpSpPr>
+      <p:sp>
+        <p:nvSpPr>
+          <p:cNvPr id="2" name="Titel 1"/>
+          <p:cNvSpPr>
+            <a:spLocks noGrp="1"/>
+          </p:cNvSpPr>
+          <p:nvPr>
+            <p:ph type="title"/>
+          </p:nvPr>
+        </p:nvSpPr>
+        <p:spPr/>
+        <p:txBody>
+          <a:bodyPr/>
+          <a:lstStyle/>
+          <a:p>
+            <a:r>
+              <a:rPr lang="nl-NL" dirty="0" smtClean="0"/>
+              <a:t>Tabel </a:t>
+            </a:r>
+            <a:r>
+              <a:rPr lang="nl-NL" dirty="0" err="1" smtClean="0"/>
+              <a:t>geimporteerd</a:t>
+            </a:r>
+            <a:endParaRPr lang="nl-NL" dirty="0"/>
+          </a:p>
+        </p:txBody>
+      </p:sp>
+      <p:sp>
+        <p:nvSpPr>
+          <p:cNvPr id="3" name="Tijdelijke aanduiding voor inhoud 2"/>
+          <p:cNvSpPr>
+            <a:spLocks noGrp="1"/>
+          </p:cNvSpPr>
+          <p:nvPr>
+            <p:ph sz="half" idx="2"/>
+          </p:nvPr>
+        </p:nvSpPr>
+        <p:spPr/>
+        <p:txBody>
+          <a:bodyPr/>
+          <a:lstStyle/>
+          <a:p>
+            <a:endParaRPr lang="nl-NL"/>
+          </a:p>
+        </p:txBody>
+      </p:sp>
+      <p:pic>
+        <p:nvPicPr>
+          <p:cNvPr id="4" name="Afbeelding 3"/>
+          <p:cNvPicPr>
+            <a:picLocks noChangeAspect="1"/>
+          </p:cNvPicPr>
+          <p:nvPr/>
+        </p:nvPicPr>
+        <p:blipFill>
+          <a:blip r:embed="rId2"/>
+          <a:stretch>
+            <a:fillRect/>
+          </a:stretch>
+        </p:blipFill>
+        <p:spPr>
+          <a:xfrm>
+            <a:off x="194553" y="1825200"/>
+            <a:ext cx="11791137" cy="3464972"/>
+          </a:xfrm>
+          <a:prstGeom prst="rect">
+            <a:avLst/>
+          </a:prstGeom>
+        </p:spPr>
+      </p:pic>
+    </p:spTree>
+    <p:extLst>
+      <p:ext uri="{BB962C8B-B14F-4D97-AF65-F5344CB8AC3E}">
+        <p14:creationId xmlns:p14="http://schemas.microsoft.com/office/powerpoint/2010/main" val="58161841"/>
+      </p:ext>
+    </p:extLst>
+  </p:cSld>
+  <p:clrMapOvr>
+    <a:masterClrMapping/>
+  </p:clrMapOvr>
+  <p:timing>
+    <p:tnLst>
+      <p:par>
+        <p:cTn id="1" dur="indefinite" restart="never" nodeType="tmRoot"/>
+      </p:par>
+    </p:tnLst>
+  </p:timing>
 </p:sld>
 </file>
 
@@ -5447,13 +6620,7 @@
       </p:grpSpPr>
       <p:sp>
         <p:nvSpPr>
-          <p:cNvPr id="2" name="Title 1">
-            <a:extLst>
-              <a:ext uri="{FF2B5EF4-FFF2-40B4-BE49-F238E27FC236}">
-                <a16:creationId xmlns:a16="http://schemas.microsoft.com/office/drawing/2014/main" id="{4EBE90C1-9FA4-184C-92B9-F202C3AF56D6}"/>
-              </a:ext>
-            </a:extLst>
-          </p:cNvPr>
+          <p:cNvPr id="2" name="Titel 1"/>
           <p:cNvSpPr>
             <a:spLocks noGrp="1"/>
           </p:cNvSpPr>
@@ -5466,19 +6633,17 @@
           <a:bodyPr/>
           <a:lstStyle/>
           <a:p>
-            <a:endParaRPr lang="en-NL"/>
-          </a:p>
-        </p:txBody>
-      </p:sp>
-      <p:sp>
-        <p:nvSpPr>
-          <p:cNvPr id="3" name="Content Placeholder 2">
-            <a:extLst>
-              <a:ext uri="{FF2B5EF4-FFF2-40B4-BE49-F238E27FC236}">
-                <a16:creationId xmlns:a16="http://schemas.microsoft.com/office/drawing/2014/main" id="{10DAC51E-4A5C-D04A-85A6-9750C531D9DB}"/>
-              </a:ext>
-            </a:extLst>
-          </p:cNvPr>
+            <a:r>
+              <a:rPr lang="nl-NL" dirty="0" smtClean="0"/>
+              <a:t>CSV bestand</a:t>
+            </a:r>
+            <a:endParaRPr lang="nl-NL" dirty="0"/>
+          </a:p>
+        </p:txBody>
+      </p:sp>
+      <p:sp>
+        <p:nvSpPr>
+          <p:cNvPr id="3" name="Tijdelijke aanduiding voor inhoud 2"/>
           <p:cNvSpPr>
             <a:spLocks noGrp="1"/>
           </p:cNvSpPr>
@@ -5491,20 +6656,1261 @@
           <a:bodyPr/>
           <a:lstStyle/>
           <a:p>
-            <a:endParaRPr lang="en-NL"/>
-          </a:p>
-        </p:txBody>
-      </p:sp>
+            <a:endParaRPr lang="nl-NL"/>
+          </a:p>
+        </p:txBody>
+      </p:sp>
+      <p:pic>
+        <p:nvPicPr>
+          <p:cNvPr id="4" name="Afbeelding 3"/>
+          <p:cNvPicPr>
+            <a:picLocks noChangeAspect="1"/>
+          </p:cNvPicPr>
+          <p:nvPr/>
+        </p:nvPicPr>
+        <p:blipFill>
+          <a:blip r:embed="rId2"/>
+          <a:stretch>
+            <a:fillRect/>
+          </a:stretch>
+        </p:blipFill>
+        <p:spPr>
+          <a:xfrm>
+            <a:off x="904017" y="1690688"/>
+            <a:ext cx="10450383" cy="4772691"/>
+          </a:xfrm>
+          <a:prstGeom prst="rect">
+            <a:avLst/>
+          </a:prstGeom>
+        </p:spPr>
+      </p:pic>
+      <p:pic>
+        <p:nvPicPr>
+          <p:cNvPr id="5" name="Afbeelding 4"/>
+          <p:cNvPicPr>
+            <a:picLocks noChangeAspect="1"/>
+          </p:cNvPicPr>
+          <p:nvPr/>
+        </p:nvPicPr>
+        <p:blipFill>
+          <a:blip r:embed="rId3"/>
+          <a:stretch>
+            <a:fillRect/>
+          </a:stretch>
+        </p:blipFill>
+        <p:spPr>
+          <a:xfrm>
+            <a:off x="3306475" y="5205"/>
+            <a:ext cx="8964276" cy="1686160"/>
+          </a:xfrm>
+          <a:prstGeom prst="rect">
+            <a:avLst/>
+          </a:prstGeom>
+        </p:spPr>
+      </p:pic>
     </p:spTree>
     <p:extLst>
       <p:ext uri="{BB962C8B-B14F-4D97-AF65-F5344CB8AC3E}">
-        <p14:creationId xmlns:p14="http://schemas.microsoft.com/office/powerpoint/2010/main" val="1212195962"/>
+        <p14:creationId xmlns:p14="http://schemas.microsoft.com/office/powerpoint/2010/main" val="1054074703"/>
       </p:ext>
     </p:extLst>
   </p:cSld>
   <p:clrMapOvr>
     <a:masterClrMapping/>
   </p:clrMapOvr>
+  <p:timing>
+    <p:tnLst>
+      <p:par>
+        <p:cTn id="1" dur="indefinite" restart="never" nodeType="tmRoot"/>
+      </p:par>
+    </p:tnLst>
+  </p:timing>
+</p:sld>
+</file>
+
+<file path=ppt/slides/slide20.xml><?xml version="1.0" encoding="utf-8"?>
+<p:sld xmlns:a="http://schemas.openxmlformats.org/drawingml/2006/main" xmlns:r="http://schemas.openxmlformats.org/officeDocument/2006/relationships" xmlns:p="http://schemas.openxmlformats.org/presentationml/2006/main">
+  <p:cSld>
+    <p:spTree>
+      <p:nvGrpSpPr>
+        <p:cNvPr id="1" name=""/>
+        <p:cNvGrpSpPr/>
+        <p:nvPr/>
+      </p:nvGrpSpPr>
+      <p:grpSpPr>
+        <a:xfrm>
+          <a:off x="0" y="0"/>
+          <a:ext cx="0" cy="0"/>
+          <a:chOff x="0" y="0"/>
+          <a:chExt cx="0" cy="0"/>
+        </a:xfrm>
+      </p:grpSpPr>
+      <p:sp>
+        <p:nvSpPr>
+          <p:cNvPr id="2" name="Titel 1"/>
+          <p:cNvSpPr>
+            <a:spLocks noGrp="1"/>
+          </p:cNvSpPr>
+          <p:nvPr>
+            <p:ph type="title"/>
+          </p:nvPr>
+        </p:nvSpPr>
+        <p:spPr/>
+        <p:txBody>
+          <a:bodyPr/>
+          <a:lstStyle/>
+          <a:p>
+            <a:r>
+              <a:rPr lang="nl-NL" dirty="0" smtClean="0"/>
+              <a:t>Naam wijzigen naar WT_IMPORT (bijvoorbeeld)	</a:t>
+            </a:r>
+            <a:endParaRPr lang="nl-NL" dirty="0"/>
+          </a:p>
+        </p:txBody>
+      </p:sp>
+      <p:pic>
+        <p:nvPicPr>
+          <p:cNvPr id="4" name="Afbeelding 3"/>
+          <p:cNvPicPr>
+            <a:picLocks noChangeAspect="1"/>
+          </p:cNvPicPr>
+          <p:nvPr/>
+        </p:nvPicPr>
+        <p:blipFill>
+          <a:blip r:embed="rId2"/>
+          <a:stretch>
+            <a:fillRect/>
+          </a:stretch>
+        </p:blipFill>
+        <p:spPr>
+          <a:xfrm>
+            <a:off x="838800" y="1690688"/>
+            <a:ext cx="4296375" cy="3048425"/>
+          </a:xfrm>
+          <a:prstGeom prst="rect">
+            <a:avLst/>
+          </a:prstGeom>
+        </p:spPr>
+      </p:pic>
+    </p:spTree>
+    <p:extLst>
+      <p:ext uri="{BB962C8B-B14F-4D97-AF65-F5344CB8AC3E}">
+        <p14:creationId xmlns:p14="http://schemas.microsoft.com/office/powerpoint/2010/main" val="3290201396"/>
+      </p:ext>
+    </p:extLst>
+  </p:cSld>
+  <p:clrMapOvr>
+    <a:masterClrMapping/>
+  </p:clrMapOvr>
+  <p:timing>
+    <p:tnLst>
+      <p:par>
+        <p:cTn id="1" dur="indefinite" restart="never" nodeType="tmRoot"/>
+      </p:par>
+    </p:tnLst>
+  </p:timing>
+</p:sld>
+</file>
+
+<file path=ppt/slides/slide21.xml><?xml version="1.0" encoding="utf-8"?>
+<p:sld xmlns:a="http://schemas.openxmlformats.org/drawingml/2006/main" xmlns:r="http://schemas.openxmlformats.org/officeDocument/2006/relationships" xmlns:p="http://schemas.openxmlformats.org/presentationml/2006/main">
+  <p:cSld>
+    <p:spTree>
+      <p:nvGrpSpPr>
+        <p:cNvPr id="1" name=""/>
+        <p:cNvGrpSpPr/>
+        <p:nvPr/>
+      </p:nvGrpSpPr>
+      <p:grpSpPr>
+        <a:xfrm>
+          <a:off x="0" y="0"/>
+          <a:ext cx="0" cy="0"/>
+          <a:chOff x="0" y="0"/>
+          <a:chExt cx="0" cy="0"/>
+        </a:xfrm>
+      </p:grpSpPr>
+      <p:sp>
+        <p:nvSpPr>
+          <p:cNvPr id="2" name="Titel 1"/>
+          <p:cNvSpPr>
+            <a:spLocks noGrp="1"/>
+          </p:cNvSpPr>
+          <p:nvPr>
+            <p:ph type="title"/>
+          </p:nvPr>
+        </p:nvSpPr>
+        <p:spPr/>
+        <p:txBody>
+          <a:bodyPr/>
+          <a:lstStyle/>
+          <a:p>
+            <a:r>
+              <a:rPr lang="nl-NL" dirty="0" smtClean="0"/>
+              <a:t>Wat valt je op aan de data ?</a:t>
+            </a:r>
+            <a:endParaRPr lang="nl-NL" dirty="0"/>
+          </a:p>
+        </p:txBody>
+      </p:sp>
+      <p:sp>
+        <p:nvSpPr>
+          <p:cNvPr id="3" name="Tijdelijke aanduiding voor inhoud 2"/>
+          <p:cNvSpPr>
+            <a:spLocks noGrp="1"/>
+          </p:cNvSpPr>
+          <p:nvPr>
+            <p:ph sz="half" idx="2"/>
+          </p:nvPr>
+        </p:nvSpPr>
+        <p:spPr/>
+        <p:txBody>
+          <a:bodyPr/>
+          <a:lstStyle/>
+          <a:p>
+            <a:endParaRPr lang="nl-NL"/>
+          </a:p>
+        </p:txBody>
+      </p:sp>
+      <p:pic>
+        <p:nvPicPr>
+          <p:cNvPr id="4" name="Afbeelding 3"/>
+          <p:cNvPicPr>
+            <a:picLocks noChangeAspect="1"/>
+          </p:cNvPicPr>
+          <p:nvPr/>
+        </p:nvPicPr>
+        <p:blipFill>
+          <a:blip r:embed="rId2"/>
+          <a:stretch>
+            <a:fillRect/>
+          </a:stretch>
+        </p:blipFill>
+        <p:spPr>
+          <a:xfrm>
+            <a:off x="0" y="1690688"/>
+            <a:ext cx="12310175" cy="3093285"/>
+          </a:xfrm>
+          <a:prstGeom prst="rect">
+            <a:avLst/>
+          </a:prstGeom>
+        </p:spPr>
+      </p:pic>
+    </p:spTree>
+    <p:extLst>
+      <p:ext uri="{BB962C8B-B14F-4D97-AF65-F5344CB8AC3E}">
+        <p14:creationId xmlns:p14="http://schemas.microsoft.com/office/powerpoint/2010/main" val="60281960"/>
+      </p:ext>
+    </p:extLst>
+  </p:cSld>
+  <p:clrMapOvr>
+    <a:masterClrMapping/>
+  </p:clrMapOvr>
+  <p:timing>
+    <p:tnLst>
+      <p:par>
+        <p:cTn id="1" dur="indefinite" restart="never" nodeType="tmRoot"/>
+      </p:par>
+    </p:tnLst>
+  </p:timing>
+</p:sld>
+</file>
+
+<file path=ppt/slides/slide22.xml><?xml version="1.0" encoding="utf-8"?>
+<p:sld xmlns:a="http://schemas.openxmlformats.org/drawingml/2006/main" xmlns:r="http://schemas.openxmlformats.org/officeDocument/2006/relationships" xmlns:p="http://schemas.openxmlformats.org/presentationml/2006/main">
+  <p:cSld>
+    <p:spTree>
+      <p:nvGrpSpPr>
+        <p:cNvPr id="1" name=""/>
+        <p:cNvGrpSpPr/>
+        <p:nvPr/>
+      </p:nvGrpSpPr>
+      <p:grpSpPr>
+        <a:xfrm>
+          <a:off x="0" y="0"/>
+          <a:ext cx="0" cy="0"/>
+          <a:chOff x="0" y="0"/>
+          <a:chExt cx="0" cy="0"/>
+        </a:xfrm>
+      </p:grpSpPr>
+      <p:sp>
+        <p:nvSpPr>
+          <p:cNvPr id="2" name="Titel 1"/>
+          <p:cNvSpPr>
+            <a:spLocks noGrp="1"/>
+          </p:cNvSpPr>
+          <p:nvPr>
+            <p:ph type="title"/>
+          </p:nvPr>
+        </p:nvSpPr>
+        <p:spPr/>
+        <p:txBody>
+          <a:bodyPr/>
+          <a:lstStyle/>
+          <a:p>
+            <a:r>
+              <a:rPr lang="nl-NL" dirty="0" smtClean="0"/>
+              <a:t>Nieuwe tabellen </a:t>
+            </a:r>
+            <a:r>
+              <a:rPr lang="nl-NL" dirty="0" smtClean="0"/>
+              <a:t>aanmaken voor Country</a:t>
+            </a:r>
+            <a:endParaRPr lang="nl-NL" dirty="0"/>
+          </a:p>
+        </p:txBody>
+      </p:sp>
+      <p:pic>
+        <p:nvPicPr>
+          <p:cNvPr id="3" name="Afbeelding 2"/>
+          <p:cNvPicPr>
+            <a:picLocks noChangeAspect="1"/>
+          </p:cNvPicPr>
+          <p:nvPr/>
+        </p:nvPicPr>
+        <p:blipFill>
+          <a:blip r:embed="rId2"/>
+          <a:stretch>
+            <a:fillRect/>
+          </a:stretch>
+        </p:blipFill>
+        <p:spPr>
+          <a:xfrm>
+            <a:off x="569427" y="1575250"/>
+            <a:ext cx="3562847" cy="1781424"/>
+          </a:xfrm>
+          <a:prstGeom prst="rect">
+            <a:avLst/>
+          </a:prstGeom>
+        </p:spPr>
+      </p:pic>
+      <p:pic>
+        <p:nvPicPr>
+          <p:cNvPr id="4" name="Afbeelding 3"/>
+          <p:cNvPicPr>
+            <a:picLocks noChangeAspect="1"/>
+          </p:cNvPicPr>
+          <p:nvPr/>
+        </p:nvPicPr>
+        <p:blipFill>
+          <a:blip r:embed="rId3"/>
+          <a:stretch>
+            <a:fillRect/>
+          </a:stretch>
+        </p:blipFill>
+        <p:spPr>
+          <a:xfrm>
+            <a:off x="4197124" y="1805094"/>
+            <a:ext cx="5344271" cy="2819794"/>
+          </a:xfrm>
+          <a:prstGeom prst="rect">
+            <a:avLst/>
+          </a:prstGeom>
+        </p:spPr>
+      </p:pic>
+      <p:pic>
+        <p:nvPicPr>
+          <p:cNvPr id="5" name="Afbeelding 4"/>
+          <p:cNvPicPr>
+            <a:picLocks noChangeAspect="1"/>
+          </p:cNvPicPr>
+          <p:nvPr/>
+        </p:nvPicPr>
+        <p:blipFill>
+          <a:blip r:embed="rId4"/>
+          <a:stretch>
+            <a:fillRect/>
+          </a:stretch>
+        </p:blipFill>
+        <p:spPr>
+          <a:xfrm>
+            <a:off x="6097588" y="4207212"/>
+            <a:ext cx="5191850" cy="1495634"/>
+          </a:xfrm>
+          <a:prstGeom prst="rect">
+            <a:avLst/>
+          </a:prstGeom>
+        </p:spPr>
+      </p:pic>
+      <p:pic>
+        <p:nvPicPr>
+          <p:cNvPr id="6" name="Afbeelding 5"/>
+          <p:cNvPicPr>
+            <a:picLocks noChangeAspect="1"/>
+          </p:cNvPicPr>
+          <p:nvPr/>
+        </p:nvPicPr>
+        <p:blipFill>
+          <a:blip r:embed="rId5"/>
+          <a:stretch>
+            <a:fillRect/>
+          </a:stretch>
+        </p:blipFill>
+        <p:spPr>
+          <a:xfrm>
+            <a:off x="8693513" y="5215540"/>
+            <a:ext cx="3010320" cy="1524213"/>
+          </a:xfrm>
+          <a:prstGeom prst="rect">
+            <a:avLst/>
+          </a:prstGeom>
+        </p:spPr>
+      </p:pic>
+    </p:spTree>
+    <p:extLst>
+      <p:ext uri="{BB962C8B-B14F-4D97-AF65-F5344CB8AC3E}">
+        <p14:creationId xmlns:p14="http://schemas.microsoft.com/office/powerpoint/2010/main" val="3931950136"/>
+      </p:ext>
+    </p:extLst>
+  </p:cSld>
+  <p:clrMapOvr>
+    <a:masterClrMapping/>
+  </p:clrMapOvr>
+  <p:timing>
+    <p:tnLst>
+      <p:par>
+        <p:cTn id="1" dur="indefinite" restart="never" nodeType="tmRoot"/>
+      </p:par>
+    </p:tnLst>
+  </p:timing>
+</p:sld>
+</file>
+
+<file path=ppt/slides/slide23.xml><?xml version="1.0" encoding="utf-8"?>
+<p:sld xmlns:a="http://schemas.openxmlformats.org/drawingml/2006/main" xmlns:r="http://schemas.openxmlformats.org/officeDocument/2006/relationships" xmlns:p="http://schemas.openxmlformats.org/presentationml/2006/main">
+  <p:cSld>
+    <p:spTree>
+      <p:nvGrpSpPr>
+        <p:cNvPr id="1" name=""/>
+        <p:cNvGrpSpPr/>
+        <p:nvPr/>
+      </p:nvGrpSpPr>
+      <p:grpSpPr>
+        <a:xfrm>
+          <a:off x="0" y="0"/>
+          <a:ext cx="0" cy="0"/>
+          <a:chOff x="0" y="0"/>
+          <a:chExt cx="0" cy="0"/>
+        </a:xfrm>
+      </p:grpSpPr>
+      <p:sp>
+        <p:nvSpPr>
+          <p:cNvPr id="2" name="Titel 1"/>
+          <p:cNvSpPr>
+            <a:spLocks noGrp="1"/>
+          </p:cNvSpPr>
+          <p:nvPr>
+            <p:ph type="title"/>
+          </p:nvPr>
+        </p:nvSpPr>
+        <p:spPr/>
+        <p:txBody>
+          <a:bodyPr/>
+          <a:lstStyle/>
+          <a:p>
+            <a:r>
+              <a:rPr lang="nl-NL" dirty="0" smtClean="0"/>
+              <a:t>Ophalen welke data we willen gebruiken voor tabel</a:t>
+            </a:r>
+            <a:endParaRPr lang="nl-NL" dirty="0"/>
+          </a:p>
+        </p:txBody>
+      </p:sp>
+      <p:sp>
+        <p:nvSpPr>
+          <p:cNvPr id="3" name="Tijdelijke aanduiding voor inhoud 2"/>
+          <p:cNvSpPr>
+            <a:spLocks noGrp="1"/>
+          </p:cNvSpPr>
+          <p:nvPr>
+            <p:ph sz="half" idx="2"/>
+          </p:nvPr>
+        </p:nvSpPr>
+        <p:spPr/>
+        <p:txBody>
+          <a:bodyPr/>
+          <a:lstStyle/>
+          <a:p>
+            <a:endParaRPr lang="nl-NL" dirty="0"/>
+          </a:p>
+        </p:txBody>
+      </p:sp>
+      <p:pic>
+        <p:nvPicPr>
+          <p:cNvPr id="4" name="Afbeelding 3"/>
+          <p:cNvPicPr>
+            <a:picLocks noChangeAspect="1"/>
+          </p:cNvPicPr>
+          <p:nvPr/>
+        </p:nvPicPr>
+        <p:blipFill>
+          <a:blip r:embed="rId2"/>
+          <a:stretch>
+            <a:fillRect/>
+          </a:stretch>
+        </p:blipFill>
+        <p:spPr>
+          <a:xfrm>
+            <a:off x="685428" y="1590344"/>
+            <a:ext cx="5334744" cy="1829055"/>
+          </a:xfrm>
+          <a:prstGeom prst="rect">
+            <a:avLst/>
+          </a:prstGeom>
+        </p:spPr>
+      </p:pic>
+      <p:pic>
+        <p:nvPicPr>
+          <p:cNvPr id="5" name="Afbeelding 4"/>
+          <p:cNvPicPr>
+            <a:picLocks noChangeAspect="1"/>
+          </p:cNvPicPr>
+          <p:nvPr/>
+        </p:nvPicPr>
+        <p:blipFill>
+          <a:blip r:embed="rId3"/>
+          <a:stretch>
+            <a:fillRect/>
+          </a:stretch>
+        </p:blipFill>
+        <p:spPr>
+          <a:xfrm>
+            <a:off x="5339556" y="1590344"/>
+            <a:ext cx="8964276" cy="5496692"/>
+          </a:xfrm>
+          <a:prstGeom prst="rect">
+            <a:avLst/>
+          </a:prstGeom>
+        </p:spPr>
+      </p:pic>
+    </p:spTree>
+    <p:extLst>
+      <p:ext uri="{BB962C8B-B14F-4D97-AF65-F5344CB8AC3E}">
+        <p14:creationId xmlns:p14="http://schemas.microsoft.com/office/powerpoint/2010/main" val="1192014819"/>
+      </p:ext>
+    </p:extLst>
+  </p:cSld>
+  <p:clrMapOvr>
+    <a:masterClrMapping/>
+  </p:clrMapOvr>
+</p:sld>
+</file>
+
+<file path=ppt/slides/slide24.xml><?xml version="1.0" encoding="utf-8"?>
+<p:sld xmlns:a="http://schemas.openxmlformats.org/drawingml/2006/main" xmlns:r="http://schemas.openxmlformats.org/officeDocument/2006/relationships" xmlns:p="http://schemas.openxmlformats.org/presentationml/2006/main">
+  <p:cSld>
+    <p:spTree>
+      <p:nvGrpSpPr>
+        <p:cNvPr id="1" name=""/>
+        <p:cNvGrpSpPr/>
+        <p:nvPr/>
+      </p:nvGrpSpPr>
+      <p:grpSpPr>
+        <a:xfrm>
+          <a:off x="0" y="0"/>
+          <a:ext cx="0" cy="0"/>
+          <a:chOff x="0" y="0"/>
+          <a:chExt cx="0" cy="0"/>
+        </a:xfrm>
+      </p:grpSpPr>
+      <p:sp>
+        <p:nvSpPr>
+          <p:cNvPr id="2" name="Titel 1"/>
+          <p:cNvSpPr>
+            <a:spLocks noGrp="1"/>
+          </p:cNvSpPr>
+          <p:nvPr>
+            <p:ph type="title"/>
+          </p:nvPr>
+        </p:nvSpPr>
+        <p:spPr/>
+        <p:txBody>
+          <a:bodyPr/>
+          <a:lstStyle/>
+          <a:p>
+            <a:r>
+              <a:rPr lang="nl-NL" dirty="0" smtClean="0"/>
+              <a:t>Query uitvoeren… heel veel keer New </a:t>
+            </a:r>
+            <a:r>
+              <a:rPr lang="nl-NL" dirty="0" err="1" smtClean="0"/>
+              <a:t>Zealand</a:t>
+            </a:r>
+            <a:endParaRPr lang="nl-NL" dirty="0"/>
+          </a:p>
+        </p:txBody>
+      </p:sp>
+      <p:pic>
+        <p:nvPicPr>
+          <p:cNvPr id="6" name="Tijdelijke aanduiding voor inhoud 5"/>
+          <p:cNvPicPr>
+            <a:picLocks noGrp="1" noChangeAspect="1"/>
+          </p:cNvPicPr>
+          <p:nvPr>
+            <p:ph sz="half" idx="2"/>
+          </p:nvPr>
+        </p:nvPicPr>
+        <p:blipFill>
+          <a:blip r:embed="rId2"/>
+          <a:stretch>
+            <a:fillRect/>
+          </a:stretch>
+        </p:blipFill>
+        <p:spPr>
+          <a:xfrm>
+            <a:off x="4058699" y="4459034"/>
+            <a:ext cx="7429667" cy="2140752"/>
+          </a:xfrm>
+          <a:prstGeom prst="rect">
+            <a:avLst/>
+          </a:prstGeom>
+        </p:spPr>
+      </p:pic>
+      <p:pic>
+        <p:nvPicPr>
+          <p:cNvPr id="4" name="Afbeelding 3"/>
+          <p:cNvPicPr>
+            <a:picLocks noChangeAspect="1"/>
+          </p:cNvPicPr>
+          <p:nvPr/>
+        </p:nvPicPr>
+        <p:blipFill>
+          <a:blip r:embed="rId3"/>
+          <a:stretch>
+            <a:fillRect/>
+          </a:stretch>
+        </p:blipFill>
+        <p:spPr>
+          <a:xfrm>
+            <a:off x="838800" y="1634107"/>
+            <a:ext cx="3219899" cy="4734586"/>
+          </a:xfrm>
+          <a:prstGeom prst="rect">
+            <a:avLst/>
+          </a:prstGeom>
+        </p:spPr>
+      </p:pic>
+      <p:pic>
+        <p:nvPicPr>
+          <p:cNvPr id="5" name="Afbeelding 4"/>
+          <p:cNvPicPr>
+            <a:picLocks noChangeAspect="1"/>
+          </p:cNvPicPr>
+          <p:nvPr/>
+        </p:nvPicPr>
+        <p:blipFill>
+          <a:blip r:embed="rId4"/>
+          <a:stretch>
+            <a:fillRect/>
+          </a:stretch>
+        </p:blipFill>
+        <p:spPr>
+          <a:xfrm>
+            <a:off x="3824304" y="1668852"/>
+            <a:ext cx="4115374" cy="2581635"/>
+          </a:xfrm>
+          <a:prstGeom prst="rect">
+            <a:avLst/>
+          </a:prstGeom>
+        </p:spPr>
+      </p:pic>
+    </p:spTree>
+    <p:extLst>
+      <p:ext uri="{BB962C8B-B14F-4D97-AF65-F5344CB8AC3E}">
+        <p14:creationId xmlns:p14="http://schemas.microsoft.com/office/powerpoint/2010/main" val="4181936862"/>
+      </p:ext>
+    </p:extLst>
+  </p:cSld>
+  <p:clrMapOvr>
+    <a:masterClrMapping/>
+  </p:clrMapOvr>
+</p:sld>
+</file>
+
+<file path=ppt/slides/slide25.xml><?xml version="1.0" encoding="utf-8"?>
+<p:sld xmlns:a="http://schemas.openxmlformats.org/drawingml/2006/main" xmlns:r="http://schemas.openxmlformats.org/officeDocument/2006/relationships" xmlns:p="http://schemas.openxmlformats.org/presentationml/2006/main">
+  <p:cSld>
+    <p:spTree>
+      <p:nvGrpSpPr>
+        <p:cNvPr id="1" name=""/>
+        <p:cNvGrpSpPr/>
+        <p:nvPr/>
+      </p:nvGrpSpPr>
+      <p:grpSpPr>
+        <a:xfrm>
+          <a:off x="0" y="0"/>
+          <a:ext cx="0" cy="0"/>
+          <a:chOff x="0" y="0"/>
+          <a:chExt cx="0" cy="0"/>
+        </a:xfrm>
+      </p:grpSpPr>
+      <p:sp>
+        <p:nvSpPr>
+          <p:cNvPr id="2" name="Titel 1"/>
+          <p:cNvSpPr>
+            <a:spLocks noGrp="1"/>
+          </p:cNvSpPr>
+          <p:nvPr>
+            <p:ph type="title"/>
+          </p:nvPr>
+        </p:nvSpPr>
+        <p:spPr/>
+        <p:txBody>
+          <a:bodyPr/>
+          <a:lstStyle/>
+          <a:p>
+            <a:r>
+              <a:rPr lang="nl-NL" dirty="0" smtClean="0"/>
+              <a:t>DISTINCT</a:t>
+            </a:r>
+            <a:endParaRPr lang="nl-NL" dirty="0"/>
+          </a:p>
+        </p:txBody>
+      </p:sp>
+      <p:pic>
+        <p:nvPicPr>
+          <p:cNvPr id="4" name="Afbeelding 3"/>
+          <p:cNvPicPr>
+            <a:picLocks noChangeAspect="1"/>
+          </p:cNvPicPr>
+          <p:nvPr/>
+        </p:nvPicPr>
+        <p:blipFill>
+          <a:blip r:embed="rId2"/>
+          <a:stretch>
+            <a:fillRect/>
+          </a:stretch>
+        </p:blipFill>
+        <p:spPr>
+          <a:xfrm>
+            <a:off x="838800" y="1825199"/>
+            <a:ext cx="10515600" cy="2103121"/>
+          </a:xfrm>
+          <a:prstGeom prst="rect">
+            <a:avLst/>
+          </a:prstGeom>
+        </p:spPr>
+      </p:pic>
+      <p:pic>
+        <p:nvPicPr>
+          <p:cNvPr id="5" name="Tijdelijke aanduiding voor inhoud 4"/>
+          <p:cNvPicPr>
+            <a:picLocks noGrp="1" noChangeAspect="1"/>
+          </p:cNvPicPr>
+          <p:nvPr>
+            <p:ph sz="half" idx="2"/>
+          </p:nvPr>
+        </p:nvPicPr>
+        <p:blipFill>
+          <a:blip r:embed="rId3"/>
+          <a:stretch>
+            <a:fillRect/>
+          </a:stretch>
+        </p:blipFill>
+        <p:spPr>
+          <a:xfrm>
+            <a:off x="4164433" y="3266966"/>
+            <a:ext cx="3890069" cy="3409669"/>
+          </a:xfrm>
+          <a:prstGeom prst="rect">
+            <a:avLst/>
+          </a:prstGeom>
+        </p:spPr>
+      </p:pic>
+    </p:spTree>
+    <p:extLst>
+      <p:ext uri="{BB962C8B-B14F-4D97-AF65-F5344CB8AC3E}">
+        <p14:creationId xmlns:p14="http://schemas.microsoft.com/office/powerpoint/2010/main" val="640524351"/>
+      </p:ext>
+    </p:extLst>
+  </p:cSld>
+  <p:clrMapOvr>
+    <a:masterClrMapping/>
+  </p:clrMapOvr>
+</p:sld>
+</file>
+
+<file path=ppt/slides/slide26.xml><?xml version="1.0" encoding="utf-8"?>
+<p:sld xmlns:a="http://schemas.openxmlformats.org/drawingml/2006/main" xmlns:r="http://schemas.openxmlformats.org/officeDocument/2006/relationships" xmlns:p="http://schemas.openxmlformats.org/presentationml/2006/main">
+  <p:cSld>
+    <p:spTree>
+      <p:nvGrpSpPr>
+        <p:cNvPr id="1" name=""/>
+        <p:cNvGrpSpPr/>
+        <p:nvPr/>
+      </p:nvGrpSpPr>
+      <p:grpSpPr>
+        <a:xfrm>
+          <a:off x="0" y="0"/>
+          <a:ext cx="0" cy="0"/>
+          <a:chOff x="0" y="0"/>
+          <a:chExt cx="0" cy="0"/>
+        </a:xfrm>
+      </p:grpSpPr>
+      <p:sp>
+        <p:nvSpPr>
+          <p:cNvPr id="2" name="Titel 1"/>
+          <p:cNvSpPr>
+            <a:spLocks noGrp="1"/>
+          </p:cNvSpPr>
+          <p:nvPr>
+            <p:ph type="title"/>
+          </p:nvPr>
+        </p:nvSpPr>
+        <p:spPr/>
+        <p:txBody>
+          <a:bodyPr/>
+          <a:lstStyle/>
+          <a:p>
+            <a:r>
+              <a:rPr lang="nl-NL" dirty="0" smtClean="0"/>
+              <a:t>In tabel Country zetten</a:t>
+            </a:r>
+            <a:endParaRPr lang="nl-NL" dirty="0"/>
+          </a:p>
+        </p:txBody>
+      </p:sp>
+      <p:sp>
+        <p:nvSpPr>
+          <p:cNvPr id="3" name="Tijdelijke aanduiding voor inhoud 2"/>
+          <p:cNvSpPr>
+            <a:spLocks noGrp="1"/>
+          </p:cNvSpPr>
+          <p:nvPr>
+            <p:ph sz="half" idx="2"/>
+          </p:nvPr>
+        </p:nvSpPr>
+        <p:spPr/>
+        <p:txBody>
+          <a:bodyPr/>
+          <a:lstStyle/>
+          <a:p>
+            <a:endParaRPr lang="nl-NL"/>
+          </a:p>
+        </p:txBody>
+      </p:sp>
+      <p:pic>
+        <p:nvPicPr>
+          <p:cNvPr id="4" name="Afbeelding 3"/>
+          <p:cNvPicPr>
+            <a:picLocks noChangeAspect="1"/>
+          </p:cNvPicPr>
+          <p:nvPr/>
+        </p:nvPicPr>
+        <p:blipFill>
+          <a:blip r:embed="rId2"/>
+          <a:stretch>
+            <a:fillRect/>
+          </a:stretch>
+        </p:blipFill>
+        <p:spPr>
+          <a:xfrm>
+            <a:off x="838799" y="1825200"/>
+            <a:ext cx="6909961" cy="2065864"/>
+          </a:xfrm>
+          <a:prstGeom prst="rect">
+            <a:avLst/>
+          </a:prstGeom>
+        </p:spPr>
+      </p:pic>
+      <p:pic>
+        <p:nvPicPr>
+          <p:cNvPr id="6" name="Afbeelding 5"/>
+          <p:cNvPicPr>
+            <a:picLocks noChangeAspect="1"/>
+          </p:cNvPicPr>
+          <p:nvPr/>
+        </p:nvPicPr>
+        <p:blipFill>
+          <a:blip r:embed="rId3"/>
+          <a:stretch>
+            <a:fillRect/>
+          </a:stretch>
+        </p:blipFill>
+        <p:spPr>
+          <a:xfrm>
+            <a:off x="3688731" y="3526419"/>
+            <a:ext cx="6935168" cy="2314898"/>
+          </a:xfrm>
+          <a:prstGeom prst="rect">
+            <a:avLst/>
+          </a:prstGeom>
+        </p:spPr>
+      </p:pic>
+    </p:spTree>
+    <p:extLst>
+      <p:ext uri="{BB962C8B-B14F-4D97-AF65-F5344CB8AC3E}">
+        <p14:creationId xmlns:p14="http://schemas.microsoft.com/office/powerpoint/2010/main" val="2219635231"/>
+      </p:ext>
+    </p:extLst>
+  </p:cSld>
+  <p:clrMapOvr>
+    <a:masterClrMapping/>
+  </p:clrMapOvr>
+</p:sld>
+</file>
+
+<file path=ppt/slides/slide27.xml><?xml version="1.0" encoding="utf-8"?>
+<p:sld xmlns:a="http://schemas.openxmlformats.org/drawingml/2006/main" xmlns:r="http://schemas.openxmlformats.org/officeDocument/2006/relationships" xmlns:p="http://schemas.openxmlformats.org/presentationml/2006/main">
+  <p:cSld>
+    <p:spTree>
+      <p:nvGrpSpPr>
+        <p:cNvPr id="1" name=""/>
+        <p:cNvGrpSpPr/>
+        <p:nvPr/>
+      </p:nvGrpSpPr>
+      <p:grpSpPr>
+        <a:xfrm>
+          <a:off x="0" y="0"/>
+          <a:ext cx="0" cy="0"/>
+          <a:chOff x="0" y="0"/>
+          <a:chExt cx="0" cy="0"/>
+        </a:xfrm>
+      </p:grpSpPr>
+      <p:sp>
+        <p:nvSpPr>
+          <p:cNvPr id="2" name="Titel 1"/>
+          <p:cNvSpPr>
+            <a:spLocks noGrp="1"/>
+          </p:cNvSpPr>
+          <p:nvPr>
+            <p:ph type="title"/>
+          </p:nvPr>
+        </p:nvSpPr>
+        <p:spPr/>
+        <p:txBody>
+          <a:bodyPr/>
+          <a:lstStyle/>
+          <a:p>
+            <a:r>
+              <a:rPr lang="nl-NL" dirty="0" smtClean="0"/>
+              <a:t>Niet alle velden kunnen worden toegevoegd</a:t>
+            </a:r>
+            <a:endParaRPr lang="nl-NL" dirty="0"/>
+          </a:p>
+        </p:txBody>
+      </p:sp>
+      <p:pic>
+        <p:nvPicPr>
+          <p:cNvPr id="5" name="Tijdelijke aanduiding voor inhoud 4"/>
+          <p:cNvPicPr>
+            <a:picLocks noGrp="1" noChangeAspect="1"/>
+          </p:cNvPicPr>
+          <p:nvPr>
+            <p:ph sz="half" idx="2"/>
+          </p:nvPr>
+        </p:nvPicPr>
+        <p:blipFill>
+          <a:blip r:embed="rId2"/>
+          <a:stretch>
+            <a:fillRect/>
+          </a:stretch>
+        </p:blipFill>
+        <p:spPr>
+          <a:xfrm>
+            <a:off x="2302424" y="4019154"/>
+            <a:ext cx="2781688" cy="2838846"/>
+          </a:xfrm>
+          <a:prstGeom prst="rect">
+            <a:avLst/>
+          </a:prstGeom>
+        </p:spPr>
+      </p:pic>
+      <p:pic>
+        <p:nvPicPr>
+          <p:cNvPr id="4" name="Afbeelding 3"/>
+          <p:cNvPicPr>
+            <a:picLocks noChangeAspect="1"/>
+          </p:cNvPicPr>
+          <p:nvPr/>
+        </p:nvPicPr>
+        <p:blipFill>
+          <a:blip r:embed="rId3"/>
+          <a:stretch>
+            <a:fillRect/>
+          </a:stretch>
+        </p:blipFill>
+        <p:spPr>
+          <a:xfrm>
+            <a:off x="371276" y="1690688"/>
+            <a:ext cx="11450648" cy="2267266"/>
+          </a:xfrm>
+          <a:prstGeom prst="rect">
+            <a:avLst/>
+          </a:prstGeom>
+        </p:spPr>
+      </p:pic>
+      <p:pic>
+        <p:nvPicPr>
+          <p:cNvPr id="6" name="Afbeelding 5"/>
+          <p:cNvPicPr>
+            <a:picLocks noChangeAspect="1"/>
+          </p:cNvPicPr>
+          <p:nvPr/>
+        </p:nvPicPr>
+        <p:blipFill>
+          <a:blip r:embed="rId4"/>
+          <a:stretch>
+            <a:fillRect/>
+          </a:stretch>
+        </p:blipFill>
+        <p:spPr>
+          <a:xfrm>
+            <a:off x="6096600" y="4085838"/>
+            <a:ext cx="4267796" cy="2705478"/>
+          </a:xfrm>
+          <a:prstGeom prst="rect">
+            <a:avLst/>
+          </a:prstGeom>
+        </p:spPr>
+      </p:pic>
+    </p:spTree>
+    <p:extLst>
+      <p:ext uri="{BB962C8B-B14F-4D97-AF65-F5344CB8AC3E}">
+        <p14:creationId xmlns:p14="http://schemas.microsoft.com/office/powerpoint/2010/main" val="2820830365"/>
+      </p:ext>
+    </p:extLst>
+  </p:cSld>
+  <p:clrMapOvr>
+    <a:masterClrMapping/>
+  </p:clrMapOvr>
+</p:sld>
+</file>
+
+<file path=ppt/slides/slide28.xml><?xml version="1.0" encoding="utf-8"?>
+<p:sld xmlns:a="http://schemas.openxmlformats.org/drawingml/2006/main" xmlns:r="http://schemas.openxmlformats.org/officeDocument/2006/relationships" xmlns:p="http://schemas.openxmlformats.org/presentationml/2006/main">
+  <p:cSld>
+    <p:spTree>
+      <p:nvGrpSpPr>
+        <p:cNvPr id="1" name=""/>
+        <p:cNvGrpSpPr/>
+        <p:nvPr/>
+      </p:nvGrpSpPr>
+      <p:grpSpPr>
+        <a:xfrm>
+          <a:off x="0" y="0"/>
+          <a:ext cx="0" cy="0"/>
+          <a:chOff x="0" y="0"/>
+          <a:chExt cx="0" cy="0"/>
+        </a:xfrm>
+      </p:grpSpPr>
+      <p:sp>
+        <p:nvSpPr>
+          <p:cNvPr id="2" name="Titel 1"/>
+          <p:cNvSpPr>
+            <a:spLocks noGrp="1"/>
+          </p:cNvSpPr>
+          <p:nvPr>
+            <p:ph type="title"/>
+          </p:nvPr>
+        </p:nvSpPr>
+        <p:spPr/>
+        <p:txBody>
+          <a:bodyPr/>
+          <a:lstStyle/>
+          <a:p>
+            <a:r>
+              <a:rPr lang="nl-NL" dirty="0" smtClean="0"/>
+              <a:t>Kijken welke data niet kon worden gebruikt</a:t>
+            </a:r>
+            <a:endParaRPr lang="nl-NL" dirty="0"/>
+          </a:p>
+        </p:txBody>
+      </p:sp>
+      <p:sp>
+        <p:nvSpPr>
+          <p:cNvPr id="3" name="Tijdelijke aanduiding voor inhoud 2"/>
+          <p:cNvSpPr>
+            <a:spLocks noGrp="1"/>
+          </p:cNvSpPr>
+          <p:nvPr>
+            <p:ph sz="half" idx="2"/>
+          </p:nvPr>
+        </p:nvSpPr>
+        <p:spPr/>
+        <p:txBody>
+          <a:bodyPr/>
+          <a:lstStyle/>
+          <a:p>
+            <a:endParaRPr lang="nl-NL"/>
+          </a:p>
+        </p:txBody>
+      </p:sp>
+      <p:pic>
+        <p:nvPicPr>
+          <p:cNvPr id="4" name="Afbeelding 3"/>
+          <p:cNvPicPr>
+            <a:picLocks noChangeAspect="1"/>
+          </p:cNvPicPr>
+          <p:nvPr/>
+        </p:nvPicPr>
+        <p:blipFill>
+          <a:blip r:embed="rId2"/>
+          <a:stretch>
+            <a:fillRect/>
+          </a:stretch>
+        </p:blipFill>
+        <p:spPr>
+          <a:xfrm>
+            <a:off x="579553" y="4076296"/>
+            <a:ext cx="11034093" cy="2235816"/>
+          </a:xfrm>
+          <a:prstGeom prst="rect">
+            <a:avLst/>
+          </a:prstGeom>
+        </p:spPr>
+      </p:pic>
+      <p:pic>
+        <p:nvPicPr>
+          <p:cNvPr id="5" name="Afbeelding 4"/>
+          <p:cNvPicPr>
+            <a:picLocks noChangeAspect="1"/>
+          </p:cNvPicPr>
+          <p:nvPr/>
+        </p:nvPicPr>
+        <p:blipFill>
+          <a:blip r:embed="rId3"/>
+          <a:stretch>
+            <a:fillRect/>
+          </a:stretch>
+        </p:blipFill>
+        <p:spPr>
+          <a:xfrm>
+            <a:off x="579553" y="1900623"/>
+            <a:ext cx="4782217" cy="1733792"/>
+          </a:xfrm>
+          <a:prstGeom prst="rect">
+            <a:avLst/>
+          </a:prstGeom>
+        </p:spPr>
+      </p:pic>
+      <p:pic>
+        <p:nvPicPr>
+          <p:cNvPr id="6" name="Afbeelding 5"/>
+          <p:cNvPicPr>
+            <a:picLocks noChangeAspect="1"/>
+          </p:cNvPicPr>
+          <p:nvPr/>
+        </p:nvPicPr>
+        <p:blipFill>
+          <a:blip r:embed="rId4"/>
+          <a:stretch>
+            <a:fillRect/>
+          </a:stretch>
+        </p:blipFill>
+        <p:spPr>
+          <a:xfrm>
+            <a:off x="5621017" y="1860381"/>
+            <a:ext cx="5609324" cy="1774034"/>
+          </a:xfrm>
+          <a:prstGeom prst="rect">
+            <a:avLst/>
+          </a:prstGeom>
+        </p:spPr>
+      </p:pic>
+    </p:spTree>
+    <p:extLst>
+      <p:ext uri="{BB962C8B-B14F-4D97-AF65-F5344CB8AC3E}">
+        <p14:creationId xmlns:p14="http://schemas.microsoft.com/office/powerpoint/2010/main" val="101479835"/>
+      </p:ext>
+    </p:extLst>
+  </p:cSld>
+  <p:clrMapOvr>
+    <a:masterClrMapping/>
+  </p:clrMapOvr>
+</p:sld>
+</file>
+
+<file path=ppt/slides/slide29.xml><?xml version="1.0" encoding="utf-8"?>
+<p:sld xmlns:a="http://schemas.openxmlformats.org/drawingml/2006/main" xmlns:r="http://schemas.openxmlformats.org/officeDocument/2006/relationships" xmlns:p="http://schemas.openxmlformats.org/presentationml/2006/main">
+  <p:cSld>
+    <p:spTree>
+      <p:nvGrpSpPr>
+        <p:cNvPr id="1" name=""/>
+        <p:cNvGrpSpPr/>
+        <p:nvPr/>
+      </p:nvGrpSpPr>
+      <p:grpSpPr>
+        <a:xfrm>
+          <a:off x="0" y="0"/>
+          <a:ext cx="0" cy="0"/>
+          <a:chOff x="0" y="0"/>
+          <a:chExt cx="0" cy="0"/>
+        </a:xfrm>
+      </p:grpSpPr>
+      <p:sp>
+        <p:nvSpPr>
+          <p:cNvPr id="2" name="Titel 4">
+            <a:extLst>
+              <a:ext uri="{FF2B5EF4-FFF2-40B4-BE49-F238E27FC236}">
+                <a16:creationId xmlns:a16="http://schemas.microsoft.com/office/drawing/2014/main" id="{5C3B8EC0-2D4E-0A44-B38A-F2B3A1348F59}"/>
+              </a:ext>
+            </a:extLst>
+          </p:cNvPr>
+          <p:cNvSpPr txBox="1">
+            <a:spLocks/>
+          </p:cNvSpPr>
+          <p:nvPr/>
+        </p:nvSpPr>
+        <p:spPr>
+          <a:xfrm>
+            <a:off x="839788" y="365125"/>
+            <a:ext cx="10515600" cy="1325563"/>
+          </a:xfrm>
+          <a:prstGeom prst="rect">
+            <a:avLst/>
+          </a:prstGeom>
+        </p:spPr>
+        <p:txBody>
+          <a:bodyPr/>
+          <a:lstStyle>
+            <a:lvl1pPr algn="l" defTabSz="914400" rtl="0" eaLnBrk="1" latinLnBrk="0" hangingPunct="1">
+              <a:lnSpc>
+                <a:spcPct val="90000"/>
+              </a:lnSpc>
+              <a:spcBef>
+                <a:spcPct val="0"/>
+              </a:spcBef>
+              <a:buNone/>
+              <a:defRPr sz="2600" kern="1200">
+                <a:solidFill>
+                  <a:srgbClr val="00A78E"/>
+                </a:solidFill>
+                <a:latin typeface="Arial Black" panose="020B0A04020102020204" pitchFamily="34" charset="0"/>
+                <a:ea typeface="+mj-ea"/>
+                <a:cs typeface="+mj-cs"/>
+              </a:defRPr>
+            </a:lvl1pPr>
+          </a:lstStyle>
+          <a:p>
+            <a:r>
+              <a:rPr lang="en-GB" b="1" dirty="0" err="1"/>
+              <a:t>Vragen</a:t>
+            </a:r>
+            <a:r>
+              <a:rPr lang="en-GB" b="1" dirty="0"/>
+              <a:t> ?????</a:t>
+            </a:r>
+            <a:endParaRPr lang="nl-NL" dirty="0"/>
+          </a:p>
+        </p:txBody>
+      </p:sp>
+    </p:spTree>
+    <p:extLst>
+      <p:ext uri="{BB962C8B-B14F-4D97-AF65-F5344CB8AC3E}">
+        <p14:creationId xmlns:p14="http://schemas.microsoft.com/office/powerpoint/2010/main" val="4244846622"/>
+      </p:ext>
+    </p:extLst>
+  </p:cSld>
+  <p:clrMapOvr>
+    <a:masterClrMapping/>
+  </p:clrMapOvr>
+  <p:timing>
+    <p:tnLst>
+      <p:par>
+        <p:cTn id="1" dur="indefinite" restart="never" nodeType="tmRoot"/>
+      </p:par>
+    </p:tnLst>
+  </p:timing>
 </p:sld>
 </file>
 
@@ -5527,71 +7933,908 @@
       </p:grpSpPr>
       <p:sp>
         <p:nvSpPr>
-          <p:cNvPr id="2" name="Titel 4">
-            <a:extLst>
-              <a:ext uri="{FF2B5EF4-FFF2-40B4-BE49-F238E27FC236}">
-                <a16:creationId xmlns:a16="http://schemas.microsoft.com/office/drawing/2014/main" id="{5C3B8EC0-2D4E-0A44-B38A-F2B3A1348F59}"/>
-              </a:ext>
-            </a:extLst>
-          </p:cNvPr>
-          <p:cNvSpPr txBox="1">
-            <a:spLocks/>
+          <p:cNvPr id="2" name="Titel 1"/>
+          <p:cNvSpPr>
+            <a:spLocks noGrp="1"/>
           </p:cNvSpPr>
+          <p:nvPr>
+            <p:ph type="title"/>
+          </p:nvPr>
+        </p:nvSpPr>
+        <p:spPr/>
+        <p:txBody>
+          <a:bodyPr/>
+          <a:lstStyle/>
+          <a:p>
+            <a:r>
+              <a:rPr lang="nl-NL" dirty="0" smtClean="0"/>
+              <a:t>In een tekst editor</a:t>
+            </a:r>
+            <a:endParaRPr lang="nl-NL" dirty="0"/>
+          </a:p>
+        </p:txBody>
+      </p:sp>
+      <p:sp>
+        <p:nvSpPr>
+          <p:cNvPr id="3" name="Tijdelijke aanduiding voor inhoud 2"/>
+          <p:cNvSpPr>
+            <a:spLocks noGrp="1"/>
+          </p:cNvSpPr>
+          <p:nvPr>
+            <p:ph sz="half" idx="2"/>
+          </p:nvPr>
+        </p:nvSpPr>
+        <p:spPr/>
+        <p:txBody>
+          <a:bodyPr/>
+          <a:lstStyle/>
+          <a:p>
+            <a:endParaRPr lang="nl-NL"/>
+          </a:p>
+        </p:txBody>
+      </p:sp>
+      <p:pic>
+        <p:nvPicPr>
+          <p:cNvPr id="4" name="Afbeelding 3"/>
+          <p:cNvPicPr>
+            <a:picLocks noChangeAspect="1"/>
+          </p:cNvPicPr>
           <p:nvPr/>
-        </p:nvSpPr>
-        <p:spPr>
-          <a:xfrm>
-            <a:off x="839788" y="365125"/>
-            <a:ext cx="10515600" cy="1325563"/>
+        </p:nvPicPr>
+        <p:blipFill>
+          <a:blip r:embed="rId2"/>
+          <a:stretch>
+            <a:fillRect/>
+          </a:stretch>
+        </p:blipFill>
+        <p:spPr>
+          <a:xfrm>
+            <a:off x="566580" y="1690688"/>
+            <a:ext cx="10787820" cy="3374739"/>
           </a:xfrm>
           <a:prstGeom prst="rect">
             <a:avLst/>
           </a:prstGeom>
         </p:spPr>
-        <p:txBody>
-          <a:bodyPr/>
-          <a:lstStyle>
-            <a:lvl1pPr algn="l" defTabSz="914400" rtl="0" eaLnBrk="1" latinLnBrk="0" hangingPunct="1">
-              <a:lnSpc>
-                <a:spcPct val="90000"/>
-              </a:lnSpc>
-              <a:spcBef>
-                <a:spcPct val="0"/>
-              </a:spcBef>
-              <a:buNone/>
-              <a:defRPr sz="2600" kern="1200">
-                <a:solidFill>
-                  <a:srgbClr val="00A78E"/>
-                </a:solidFill>
-                <a:latin typeface="Arial Black" panose="020B0A04020102020204" pitchFamily="34" charset="0"/>
-                <a:ea typeface="+mj-ea"/>
-                <a:cs typeface="+mj-cs"/>
-              </a:defRPr>
-            </a:lvl1pPr>
-          </a:lstStyle>
-          <a:p>
-            <a:r>
-              <a:rPr lang="en-GB" b="1" dirty="0" err="1"/>
-              <a:t>Vragen</a:t>
-            </a:r>
-            <a:r>
-              <a:rPr lang="en-GB" b="1" dirty="0"/>
-              <a:t> ?????</a:t>
-            </a:r>
-            <a:endParaRPr lang="nl-NL" dirty="0"/>
-          </a:p>
-        </p:txBody>
-      </p:sp>
+      </p:pic>
     </p:spTree>
     <p:extLst>
       <p:ext uri="{BB962C8B-B14F-4D97-AF65-F5344CB8AC3E}">
-        <p14:creationId xmlns:p14="http://schemas.microsoft.com/office/powerpoint/2010/main" val="4244846622"/>
+        <p14:creationId xmlns:p14="http://schemas.microsoft.com/office/powerpoint/2010/main" val="1065414990"/>
       </p:ext>
     </p:extLst>
   </p:cSld>
   <p:clrMapOvr>
     <a:masterClrMapping/>
   </p:clrMapOvr>
+  <p:timing>
+    <p:tnLst>
+      <p:par>
+        <p:cTn id="1" dur="indefinite" restart="never" nodeType="tmRoot"/>
+      </p:par>
+    </p:tnLst>
+  </p:timing>
+</p:sld>
+</file>
+
+<file path=ppt/slides/slide4.xml><?xml version="1.0" encoding="utf-8"?>
+<p:sld xmlns:a="http://schemas.openxmlformats.org/drawingml/2006/main" xmlns:r="http://schemas.openxmlformats.org/officeDocument/2006/relationships" xmlns:p="http://schemas.openxmlformats.org/presentationml/2006/main">
+  <p:cSld>
+    <p:spTree>
+      <p:nvGrpSpPr>
+        <p:cNvPr id="1" name=""/>
+        <p:cNvGrpSpPr/>
+        <p:nvPr/>
+      </p:nvGrpSpPr>
+      <p:grpSpPr>
+        <a:xfrm>
+          <a:off x="0" y="0"/>
+          <a:ext cx="0" cy="0"/>
+          <a:chOff x="0" y="0"/>
+          <a:chExt cx="0" cy="0"/>
+        </a:xfrm>
+      </p:grpSpPr>
+      <p:sp>
+        <p:nvSpPr>
+          <p:cNvPr id="2" name="Titel 1"/>
+          <p:cNvSpPr>
+            <a:spLocks noGrp="1"/>
+          </p:cNvSpPr>
+          <p:nvPr>
+            <p:ph type="title"/>
+          </p:nvPr>
+        </p:nvSpPr>
+        <p:spPr/>
+        <p:txBody>
+          <a:bodyPr/>
+          <a:lstStyle/>
+          <a:p>
+            <a:r>
+              <a:rPr lang="nl-NL" dirty="0" smtClean="0"/>
+              <a:t>In een tekst editor</a:t>
+            </a:r>
+            <a:endParaRPr lang="nl-NL" dirty="0"/>
+          </a:p>
+        </p:txBody>
+      </p:sp>
+      <p:sp>
+        <p:nvSpPr>
+          <p:cNvPr id="3" name="Tijdelijke aanduiding voor inhoud 2"/>
+          <p:cNvSpPr>
+            <a:spLocks noGrp="1"/>
+          </p:cNvSpPr>
+          <p:nvPr>
+            <p:ph sz="half" idx="2"/>
+          </p:nvPr>
+        </p:nvSpPr>
+        <p:spPr/>
+        <p:txBody>
+          <a:bodyPr/>
+          <a:lstStyle/>
+          <a:p>
+            <a:endParaRPr lang="nl-NL" dirty="0"/>
+          </a:p>
+        </p:txBody>
+      </p:sp>
+      <p:pic>
+        <p:nvPicPr>
+          <p:cNvPr id="4" name="Afbeelding 3"/>
+          <p:cNvPicPr>
+            <a:picLocks noChangeAspect="1"/>
+          </p:cNvPicPr>
+          <p:nvPr/>
+        </p:nvPicPr>
+        <p:blipFill>
+          <a:blip r:embed="rId2"/>
+          <a:stretch>
+            <a:fillRect/>
+          </a:stretch>
+        </p:blipFill>
+        <p:spPr>
+          <a:xfrm>
+            <a:off x="566580" y="1690688"/>
+            <a:ext cx="10787820" cy="3374739"/>
+          </a:xfrm>
+          <a:prstGeom prst="rect">
+            <a:avLst/>
+          </a:prstGeom>
+        </p:spPr>
+      </p:pic>
+      <p:sp>
+        <p:nvSpPr>
+          <p:cNvPr id="5" name="Pijl-rechts 4"/>
+          <p:cNvSpPr/>
+          <p:nvPr/>
+        </p:nvSpPr>
+        <p:spPr>
+          <a:xfrm>
+            <a:off x="107004" y="1825200"/>
+            <a:ext cx="642026" cy="285702"/>
+          </a:xfrm>
+          <a:prstGeom prst="rightArrow">
+            <a:avLst/>
+          </a:prstGeom>
+        </p:spPr>
+        <p:style>
+          <a:lnRef idx="2">
+            <a:schemeClr val="accent1">
+              <a:shade val="50000"/>
+            </a:schemeClr>
+          </a:lnRef>
+          <a:fillRef idx="1">
+            <a:schemeClr val="accent1"/>
+          </a:fillRef>
+          <a:effectRef idx="0">
+            <a:schemeClr val="accent1"/>
+          </a:effectRef>
+          <a:fontRef idx="minor">
+            <a:schemeClr val="lt1"/>
+          </a:fontRef>
+        </p:style>
+        <p:txBody>
+          <a:bodyPr rtlCol="0" anchor="ctr"/>
+          <a:lstStyle/>
+          <a:p>
+            <a:pPr algn="ctr"/>
+            <a:endParaRPr lang="nl-NL"/>
+          </a:p>
+        </p:txBody>
+      </p:sp>
+      <p:sp>
+        <p:nvSpPr>
+          <p:cNvPr id="6" name="Pijl-rechts 5"/>
+          <p:cNvSpPr/>
+          <p:nvPr/>
+        </p:nvSpPr>
+        <p:spPr>
+          <a:xfrm>
+            <a:off x="184826" y="2276272"/>
+            <a:ext cx="381754" cy="2918298"/>
+          </a:xfrm>
+          <a:prstGeom prst="rightArrow">
+            <a:avLst/>
+          </a:prstGeom>
+        </p:spPr>
+        <p:style>
+          <a:lnRef idx="2">
+            <a:schemeClr val="accent1">
+              <a:shade val="50000"/>
+            </a:schemeClr>
+          </a:lnRef>
+          <a:fillRef idx="1">
+            <a:schemeClr val="accent1"/>
+          </a:fillRef>
+          <a:effectRef idx="0">
+            <a:schemeClr val="accent1"/>
+          </a:effectRef>
+          <a:fontRef idx="minor">
+            <a:schemeClr val="lt1"/>
+          </a:fontRef>
+        </p:style>
+        <p:txBody>
+          <a:bodyPr rtlCol="0" anchor="ctr"/>
+          <a:lstStyle/>
+          <a:p>
+            <a:pPr algn="ctr"/>
+            <a:endParaRPr lang="nl-NL"/>
+          </a:p>
+        </p:txBody>
+      </p:sp>
+      <p:sp>
+        <p:nvSpPr>
+          <p:cNvPr id="7" name="Pijl-omlaag 6"/>
+          <p:cNvSpPr/>
+          <p:nvPr/>
+        </p:nvSpPr>
+        <p:spPr>
+          <a:xfrm>
+            <a:off x="3677055" y="1274323"/>
+            <a:ext cx="486383" cy="550877"/>
+          </a:xfrm>
+          <a:prstGeom prst="downArrow">
+            <a:avLst/>
+          </a:prstGeom>
+        </p:spPr>
+        <p:style>
+          <a:lnRef idx="2">
+            <a:schemeClr val="accent1">
+              <a:shade val="50000"/>
+            </a:schemeClr>
+          </a:lnRef>
+          <a:fillRef idx="1">
+            <a:schemeClr val="accent1"/>
+          </a:fillRef>
+          <a:effectRef idx="0">
+            <a:schemeClr val="accent1"/>
+          </a:effectRef>
+          <a:fontRef idx="minor">
+            <a:schemeClr val="lt1"/>
+          </a:fontRef>
+        </p:style>
+        <p:txBody>
+          <a:bodyPr rtlCol="0" anchor="ctr"/>
+          <a:lstStyle/>
+          <a:p>
+            <a:pPr algn="ctr"/>
+            <a:endParaRPr lang="nl-NL"/>
+          </a:p>
+        </p:txBody>
+      </p:sp>
+    </p:spTree>
+    <p:extLst>
+      <p:ext uri="{BB962C8B-B14F-4D97-AF65-F5344CB8AC3E}">
+        <p14:creationId xmlns:p14="http://schemas.microsoft.com/office/powerpoint/2010/main" val="1471539178"/>
+      </p:ext>
+    </p:extLst>
+  </p:cSld>
+  <p:clrMapOvr>
+    <a:masterClrMapping/>
+  </p:clrMapOvr>
+  <p:timing>
+    <p:tnLst>
+      <p:par>
+        <p:cTn id="1" dur="indefinite" restart="never" nodeType="tmRoot"/>
+      </p:par>
+    </p:tnLst>
+  </p:timing>
+</p:sld>
+</file>
+
+<file path=ppt/slides/slide5.xml><?xml version="1.0" encoding="utf-8"?>
+<p:sld xmlns:a="http://schemas.openxmlformats.org/drawingml/2006/main" xmlns:r="http://schemas.openxmlformats.org/officeDocument/2006/relationships" xmlns:p="http://schemas.openxmlformats.org/presentationml/2006/main">
+  <p:cSld>
+    <p:spTree>
+      <p:nvGrpSpPr>
+        <p:cNvPr id="1" name=""/>
+        <p:cNvGrpSpPr/>
+        <p:nvPr/>
+      </p:nvGrpSpPr>
+      <p:grpSpPr>
+        <a:xfrm>
+          <a:off x="0" y="0"/>
+          <a:ext cx="0" cy="0"/>
+          <a:chOff x="0" y="0"/>
+          <a:chExt cx="0" cy="0"/>
+        </a:xfrm>
+      </p:grpSpPr>
+      <p:sp>
+        <p:nvSpPr>
+          <p:cNvPr id="2" name="Titel 1"/>
+          <p:cNvSpPr>
+            <a:spLocks noGrp="1"/>
+          </p:cNvSpPr>
+          <p:nvPr>
+            <p:ph type="title"/>
+          </p:nvPr>
+        </p:nvSpPr>
+        <p:spPr/>
+        <p:txBody>
+          <a:bodyPr/>
+          <a:lstStyle/>
+          <a:p>
+            <a:r>
+              <a:rPr lang="nl-NL" dirty="0" smtClean="0"/>
+              <a:t>Wat valt op van de data…..?</a:t>
+            </a:r>
+            <a:endParaRPr lang="nl-NL" dirty="0"/>
+          </a:p>
+        </p:txBody>
+      </p:sp>
+      <p:sp>
+        <p:nvSpPr>
+          <p:cNvPr id="3" name="Tijdelijke aanduiding voor inhoud 2"/>
+          <p:cNvSpPr>
+            <a:spLocks noGrp="1"/>
+          </p:cNvSpPr>
+          <p:nvPr>
+            <p:ph sz="half" idx="2"/>
+          </p:nvPr>
+        </p:nvSpPr>
+        <p:spPr/>
+        <p:txBody>
+          <a:bodyPr/>
+          <a:lstStyle/>
+          <a:p>
+            <a:endParaRPr lang="nl-NL" dirty="0"/>
+          </a:p>
+        </p:txBody>
+      </p:sp>
+      <p:pic>
+        <p:nvPicPr>
+          <p:cNvPr id="4" name="Afbeelding 3"/>
+          <p:cNvPicPr>
+            <a:picLocks noChangeAspect="1"/>
+          </p:cNvPicPr>
+          <p:nvPr/>
+        </p:nvPicPr>
+        <p:blipFill>
+          <a:blip r:embed="rId2"/>
+          <a:stretch>
+            <a:fillRect/>
+          </a:stretch>
+        </p:blipFill>
+        <p:spPr>
+          <a:xfrm>
+            <a:off x="566580" y="1690688"/>
+            <a:ext cx="10787820" cy="3374739"/>
+          </a:xfrm>
+          <a:prstGeom prst="rect">
+            <a:avLst/>
+          </a:prstGeom>
+        </p:spPr>
+      </p:pic>
+    </p:spTree>
+    <p:extLst>
+      <p:ext uri="{BB962C8B-B14F-4D97-AF65-F5344CB8AC3E}">
+        <p14:creationId xmlns:p14="http://schemas.microsoft.com/office/powerpoint/2010/main" val="109898726"/>
+      </p:ext>
+    </p:extLst>
+  </p:cSld>
+  <p:clrMapOvr>
+    <a:masterClrMapping/>
+  </p:clrMapOvr>
+  <p:timing>
+    <p:tnLst>
+      <p:par>
+        <p:cTn id="1" dur="indefinite" restart="never" nodeType="tmRoot"/>
+      </p:par>
+    </p:tnLst>
+  </p:timing>
+</p:sld>
+</file>
+
+<file path=ppt/slides/slide6.xml><?xml version="1.0" encoding="utf-8"?>
+<p:sld xmlns:a="http://schemas.openxmlformats.org/drawingml/2006/main" xmlns:r="http://schemas.openxmlformats.org/officeDocument/2006/relationships" xmlns:p="http://schemas.openxmlformats.org/presentationml/2006/main">
+  <p:cSld>
+    <p:spTree>
+      <p:nvGrpSpPr>
+        <p:cNvPr id="1" name=""/>
+        <p:cNvGrpSpPr/>
+        <p:nvPr/>
+      </p:nvGrpSpPr>
+      <p:grpSpPr>
+        <a:xfrm>
+          <a:off x="0" y="0"/>
+          <a:ext cx="0" cy="0"/>
+          <a:chOff x="0" y="0"/>
+          <a:chExt cx="0" cy="0"/>
+        </a:xfrm>
+      </p:grpSpPr>
+      <p:sp>
+        <p:nvSpPr>
+          <p:cNvPr id="2" name="Titel 1"/>
+          <p:cNvSpPr>
+            <a:spLocks noGrp="1"/>
+          </p:cNvSpPr>
+          <p:nvPr>
+            <p:ph type="title"/>
+          </p:nvPr>
+        </p:nvSpPr>
+        <p:spPr/>
+        <p:txBody>
+          <a:bodyPr/>
+          <a:lstStyle/>
+          <a:p>
+            <a:r>
+              <a:rPr lang="nl-NL" dirty="0" smtClean="0"/>
+              <a:t>Wat valt op van de data…..? Auckland, NZ </a:t>
+            </a:r>
+            <a:r>
+              <a:rPr lang="nl-NL" dirty="0" err="1" smtClean="0"/>
+              <a:t>etc</a:t>
+            </a:r>
+            <a:r>
+              <a:rPr lang="nl-NL" dirty="0" smtClean="0"/>
+              <a:t> dubbel.</a:t>
+            </a:r>
+            <a:endParaRPr lang="nl-NL" dirty="0"/>
+          </a:p>
+        </p:txBody>
+      </p:sp>
+      <p:sp>
+        <p:nvSpPr>
+          <p:cNvPr id="3" name="Tijdelijke aanduiding voor inhoud 2"/>
+          <p:cNvSpPr>
+            <a:spLocks noGrp="1"/>
+          </p:cNvSpPr>
+          <p:nvPr>
+            <p:ph sz="half" idx="2"/>
+          </p:nvPr>
+        </p:nvSpPr>
+        <p:spPr/>
+        <p:txBody>
+          <a:bodyPr/>
+          <a:lstStyle/>
+          <a:p>
+            <a:endParaRPr lang="nl-NL" dirty="0"/>
+          </a:p>
+        </p:txBody>
+      </p:sp>
+      <p:pic>
+        <p:nvPicPr>
+          <p:cNvPr id="4" name="Afbeelding 3"/>
+          <p:cNvPicPr>
+            <a:picLocks noChangeAspect="1"/>
+          </p:cNvPicPr>
+          <p:nvPr/>
+        </p:nvPicPr>
+        <p:blipFill>
+          <a:blip r:embed="rId2"/>
+          <a:stretch>
+            <a:fillRect/>
+          </a:stretch>
+        </p:blipFill>
+        <p:spPr>
+          <a:xfrm>
+            <a:off x="566580" y="1690688"/>
+            <a:ext cx="10787820" cy="3374739"/>
+          </a:xfrm>
+          <a:prstGeom prst="rect">
+            <a:avLst/>
+          </a:prstGeom>
+        </p:spPr>
+      </p:pic>
+    </p:spTree>
+    <p:extLst>
+      <p:ext uri="{BB962C8B-B14F-4D97-AF65-F5344CB8AC3E}">
+        <p14:creationId xmlns:p14="http://schemas.microsoft.com/office/powerpoint/2010/main" val="3860464945"/>
+      </p:ext>
+    </p:extLst>
+  </p:cSld>
+  <p:clrMapOvr>
+    <a:masterClrMapping/>
+  </p:clrMapOvr>
+  <p:timing>
+    <p:tnLst>
+      <p:par>
+        <p:cTn id="1" dur="indefinite" restart="never" nodeType="tmRoot"/>
+      </p:par>
+    </p:tnLst>
+  </p:timing>
+</p:sld>
+</file>
+
+<file path=ppt/slides/slide7.xml><?xml version="1.0" encoding="utf-8"?>
+<p:sld xmlns:a="http://schemas.openxmlformats.org/drawingml/2006/main" xmlns:r="http://schemas.openxmlformats.org/officeDocument/2006/relationships" xmlns:p="http://schemas.openxmlformats.org/presentationml/2006/main">
+  <p:cSld>
+    <p:spTree>
+      <p:nvGrpSpPr>
+        <p:cNvPr id="1" name=""/>
+        <p:cNvGrpSpPr/>
+        <p:nvPr/>
+      </p:nvGrpSpPr>
+      <p:grpSpPr>
+        <a:xfrm>
+          <a:off x="0" y="0"/>
+          <a:ext cx="0" cy="0"/>
+          <a:chOff x="0" y="0"/>
+          <a:chExt cx="0" cy="0"/>
+        </a:xfrm>
+      </p:grpSpPr>
+      <p:sp>
+        <p:nvSpPr>
+          <p:cNvPr id="2" name="Title 1">
+            <a:extLst>
+              <a:ext uri="{FF2B5EF4-FFF2-40B4-BE49-F238E27FC236}">
+                <a16:creationId xmlns:a16="http://schemas.microsoft.com/office/drawing/2014/main" id="{4EBE90C1-9FA4-184C-92B9-F202C3AF56D6}"/>
+              </a:ext>
+            </a:extLst>
+          </p:cNvPr>
+          <p:cNvSpPr>
+            <a:spLocks noGrp="1"/>
+          </p:cNvSpPr>
+          <p:nvPr>
+            <p:ph type="title"/>
+          </p:nvPr>
+        </p:nvSpPr>
+        <p:spPr/>
+        <p:txBody>
+          <a:bodyPr/>
+          <a:lstStyle/>
+          <a:p>
+            <a:r>
+              <a:rPr lang="nl-NL" dirty="0" smtClean="0"/>
+              <a:t>Lege database aanmaken</a:t>
+            </a:r>
+            <a:endParaRPr lang="en-NL" dirty="0"/>
+          </a:p>
+        </p:txBody>
+      </p:sp>
+      <p:pic>
+        <p:nvPicPr>
+          <p:cNvPr id="4" name="Afbeelding 3"/>
+          <p:cNvPicPr>
+            <a:picLocks noChangeAspect="1"/>
+          </p:cNvPicPr>
+          <p:nvPr/>
+        </p:nvPicPr>
+        <p:blipFill>
+          <a:blip r:embed="rId2"/>
+          <a:stretch>
+            <a:fillRect/>
+          </a:stretch>
+        </p:blipFill>
+        <p:spPr>
+          <a:xfrm>
+            <a:off x="2268762" y="2429555"/>
+            <a:ext cx="7421011" cy="3143689"/>
+          </a:xfrm>
+          <a:prstGeom prst="rect">
+            <a:avLst/>
+          </a:prstGeom>
+        </p:spPr>
+      </p:pic>
+    </p:spTree>
+    <p:extLst>
+      <p:ext uri="{BB962C8B-B14F-4D97-AF65-F5344CB8AC3E}">
+        <p14:creationId xmlns:p14="http://schemas.microsoft.com/office/powerpoint/2010/main" val="1212195962"/>
+      </p:ext>
+    </p:extLst>
+  </p:cSld>
+  <p:clrMapOvr>
+    <a:masterClrMapping/>
+  </p:clrMapOvr>
+  <p:timing>
+    <p:tnLst>
+      <p:par>
+        <p:cTn id="1" dur="indefinite" restart="never" nodeType="tmRoot"/>
+      </p:par>
+    </p:tnLst>
+  </p:timing>
+</p:sld>
+</file>
+
+<file path=ppt/slides/slide8.xml><?xml version="1.0" encoding="utf-8"?>
+<p:sld xmlns:a="http://schemas.openxmlformats.org/drawingml/2006/main" xmlns:r="http://schemas.openxmlformats.org/officeDocument/2006/relationships" xmlns:p="http://schemas.openxmlformats.org/presentationml/2006/main">
+  <p:cSld>
+    <p:spTree>
+      <p:nvGrpSpPr>
+        <p:cNvPr id="1" name=""/>
+        <p:cNvGrpSpPr/>
+        <p:nvPr/>
+      </p:nvGrpSpPr>
+      <p:grpSpPr>
+        <a:xfrm>
+          <a:off x="0" y="0"/>
+          <a:ext cx="0" cy="0"/>
+          <a:chOff x="0" y="0"/>
+          <a:chExt cx="0" cy="0"/>
+        </a:xfrm>
+      </p:grpSpPr>
+      <p:sp>
+        <p:nvSpPr>
+          <p:cNvPr id="2" name="Titel 1"/>
+          <p:cNvSpPr>
+            <a:spLocks noGrp="1"/>
+          </p:cNvSpPr>
+          <p:nvPr>
+            <p:ph type="title"/>
+          </p:nvPr>
+        </p:nvSpPr>
+        <p:spPr/>
+        <p:txBody>
+          <a:bodyPr/>
+          <a:lstStyle/>
+          <a:p>
+            <a:r>
+              <a:rPr lang="nl-NL" dirty="0" smtClean="0"/>
+              <a:t>Importeren van gegevens in de database</a:t>
+            </a:r>
+            <a:endParaRPr lang="nl-NL" dirty="0"/>
+          </a:p>
+        </p:txBody>
+      </p:sp>
+      <p:sp>
+        <p:nvSpPr>
+          <p:cNvPr id="3" name="Tijdelijke aanduiding voor inhoud 2"/>
+          <p:cNvSpPr>
+            <a:spLocks noGrp="1"/>
+          </p:cNvSpPr>
+          <p:nvPr>
+            <p:ph sz="half" idx="2"/>
+          </p:nvPr>
+        </p:nvSpPr>
+        <p:spPr/>
+        <p:txBody>
+          <a:bodyPr/>
+          <a:lstStyle/>
+          <a:p>
+            <a:endParaRPr lang="nl-NL" dirty="0"/>
+          </a:p>
+        </p:txBody>
+      </p:sp>
+      <p:pic>
+        <p:nvPicPr>
+          <p:cNvPr id="4" name="Afbeelding 3"/>
+          <p:cNvPicPr>
+            <a:picLocks noChangeAspect="1"/>
+          </p:cNvPicPr>
+          <p:nvPr/>
+        </p:nvPicPr>
+        <p:blipFill>
+          <a:blip r:embed="rId2"/>
+          <a:stretch>
+            <a:fillRect/>
+          </a:stretch>
+        </p:blipFill>
+        <p:spPr>
+          <a:xfrm>
+            <a:off x="723750" y="1690688"/>
+            <a:ext cx="10675774" cy="4126452"/>
+          </a:xfrm>
+          <a:prstGeom prst="rect">
+            <a:avLst/>
+          </a:prstGeom>
+        </p:spPr>
+      </p:pic>
+      <p:sp>
+        <p:nvSpPr>
+          <p:cNvPr id="5" name="Pijl-rechts 4"/>
+          <p:cNvSpPr/>
+          <p:nvPr/>
+        </p:nvSpPr>
+        <p:spPr>
+          <a:xfrm>
+            <a:off x="2743200" y="4017524"/>
+            <a:ext cx="1809344" cy="505838"/>
+          </a:xfrm>
+          <a:prstGeom prst="rightArrow">
+            <a:avLst/>
+          </a:prstGeom>
+        </p:spPr>
+        <p:style>
+          <a:lnRef idx="2">
+            <a:schemeClr val="accent1">
+              <a:shade val="50000"/>
+            </a:schemeClr>
+          </a:lnRef>
+          <a:fillRef idx="1">
+            <a:schemeClr val="accent1"/>
+          </a:fillRef>
+          <a:effectRef idx="0">
+            <a:schemeClr val="accent1"/>
+          </a:effectRef>
+          <a:fontRef idx="minor">
+            <a:schemeClr val="lt1"/>
+          </a:fontRef>
+        </p:style>
+        <p:txBody>
+          <a:bodyPr rtlCol="0" anchor="ctr"/>
+          <a:lstStyle/>
+          <a:p>
+            <a:pPr algn="ctr"/>
+            <a:endParaRPr lang="nl-NL"/>
+          </a:p>
+        </p:txBody>
+      </p:sp>
+      <p:sp>
+        <p:nvSpPr>
+          <p:cNvPr id="6" name="Pijl-rechts 5"/>
+          <p:cNvSpPr/>
+          <p:nvPr/>
+        </p:nvSpPr>
+        <p:spPr>
+          <a:xfrm rot="6313668">
+            <a:off x="9562290" y="1014275"/>
+            <a:ext cx="2003898" cy="931931"/>
+          </a:xfrm>
+          <a:prstGeom prst="rightArrow">
+            <a:avLst/>
+          </a:prstGeom>
+        </p:spPr>
+        <p:style>
+          <a:lnRef idx="2">
+            <a:schemeClr val="accent1">
+              <a:shade val="50000"/>
+            </a:schemeClr>
+          </a:lnRef>
+          <a:fillRef idx="1">
+            <a:schemeClr val="accent1"/>
+          </a:fillRef>
+          <a:effectRef idx="0">
+            <a:schemeClr val="accent1"/>
+          </a:effectRef>
+          <a:fontRef idx="minor">
+            <a:schemeClr val="lt1"/>
+          </a:fontRef>
+        </p:style>
+        <p:txBody>
+          <a:bodyPr rtlCol="0" anchor="ctr"/>
+          <a:lstStyle/>
+          <a:p>
+            <a:pPr algn="ctr"/>
+            <a:endParaRPr lang="nl-NL"/>
+          </a:p>
+        </p:txBody>
+      </p:sp>
+    </p:spTree>
+    <p:extLst>
+      <p:ext uri="{BB962C8B-B14F-4D97-AF65-F5344CB8AC3E}">
+        <p14:creationId xmlns:p14="http://schemas.microsoft.com/office/powerpoint/2010/main" val="48469479"/>
+      </p:ext>
+    </p:extLst>
+  </p:cSld>
+  <p:clrMapOvr>
+    <a:masterClrMapping/>
+  </p:clrMapOvr>
+  <p:timing>
+    <p:tnLst>
+      <p:par>
+        <p:cTn id="1" dur="indefinite" restart="never" nodeType="tmRoot"/>
+      </p:par>
+    </p:tnLst>
+  </p:timing>
+</p:sld>
+</file>
+
+<file path=ppt/slides/slide9.xml><?xml version="1.0" encoding="utf-8"?>
+<p:sld xmlns:a="http://schemas.openxmlformats.org/drawingml/2006/main" xmlns:r="http://schemas.openxmlformats.org/officeDocument/2006/relationships" xmlns:p="http://schemas.openxmlformats.org/presentationml/2006/main">
+  <p:cSld>
+    <p:spTree>
+      <p:nvGrpSpPr>
+        <p:cNvPr id="1" name=""/>
+        <p:cNvGrpSpPr/>
+        <p:nvPr/>
+      </p:nvGrpSpPr>
+      <p:grpSpPr>
+        <a:xfrm>
+          <a:off x="0" y="0"/>
+          <a:ext cx="0" cy="0"/>
+          <a:chOff x="0" y="0"/>
+          <a:chExt cx="0" cy="0"/>
+        </a:xfrm>
+      </p:grpSpPr>
+      <p:sp>
+        <p:nvSpPr>
+          <p:cNvPr id="2" name="Titel 1"/>
+          <p:cNvSpPr>
+            <a:spLocks noGrp="1"/>
+          </p:cNvSpPr>
+          <p:nvPr>
+            <p:ph type="title"/>
+          </p:nvPr>
+        </p:nvSpPr>
+        <p:spPr/>
+        <p:txBody>
+          <a:bodyPr/>
+          <a:lstStyle/>
+          <a:p>
+            <a:r>
+              <a:rPr lang="nl-NL" dirty="0" smtClean="0"/>
+              <a:t>Selecteren van </a:t>
+            </a:r>
+            <a:r>
+              <a:rPr lang="nl-NL" dirty="0" err="1" smtClean="0"/>
+              <a:t>csv</a:t>
+            </a:r>
+            <a:r>
+              <a:rPr lang="nl-NL" dirty="0" smtClean="0"/>
+              <a:t>-bestand</a:t>
+            </a:r>
+            <a:endParaRPr lang="nl-NL" dirty="0"/>
+          </a:p>
+        </p:txBody>
+      </p:sp>
+      <p:sp>
+        <p:nvSpPr>
+          <p:cNvPr id="3" name="Tijdelijke aanduiding voor inhoud 2"/>
+          <p:cNvSpPr>
+            <a:spLocks noGrp="1"/>
+          </p:cNvSpPr>
+          <p:nvPr>
+            <p:ph sz="half" idx="2"/>
+          </p:nvPr>
+        </p:nvSpPr>
+        <p:spPr/>
+        <p:txBody>
+          <a:bodyPr/>
+          <a:lstStyle/>
+          <a:p>
+            <a:endParaRPr lang="nl-NL"/>
+          </a:p>
+        </p:txBody>
+      </p:sp>
+      <p:pic>
+        <p:nvPicPr>
+          <p:cNvPr id="4" name="Afbeelding 3"/>
+          <p:cNvPicPr>
+            <a:picLocks noChangeAspect="1"/>
+          </p:cNvPicPr>
+          <p:nvPr/>
+        </p:nvPicPr>
+        <p:blipFill>
+          <a:blip r:embed="rId2"/>
+          <a:stretch>
+            <a:fillRect/>
+          </a:stretch>
+        </p:blipFill>
+        <p:spPr>
+          <a:xfrm>
+            <a:off x="1326795" y="1996107"/>
+            <a:ext cx="8954750" cy="4010585"/>
+          </a:xfrm>
+          <a:prstGeom prst="rect">
+            <a:avLst/>
+          </a:prstGeom>
+        </p:spPr>
+      </p:pic>
+    </p:spTree>
+    <p:extLst>
+      <p:ext uri="{BB962C8B-B14F-4D97-AF65-F5344CB8AC3E}">
+        <p14:creationId xmlns:p14="http://schemas.microsoft.com/office/powerpoint/2010/main" val="3004951872"/>
+      </p:ext>
+    </p:extLst>
+  </p:cSld>
+  <p:clrMapOvr>
+    <a:masterClrMapping/>
+  </p:clrMapOvr>
+  <p:timing>
+    <p:tnLst>
+      <p:par>
+        <p:cTn id="1" dur="indefinite" restart="never" nodeType="tmRoot"/>
+      </p:par>
+    </p:tnLst>
+  </p:timing>
 </p:sld>
 </file>
 
@@ -6708,6 +9951,21 @@
 </file>
 
 <file path=customXml/item1.xml><?xml version="1.0" encoding="utf-8"?>
+<p:properties xmlns:p="http://schemas.microsoft.com/office/2006/metadata/properties" xmlns:xsi="http://www.w3.org/2001/XMLSchema-instance" xmlns:pc="http://schemas.microsoft.com/office/infopath/2007/PartnerControls">
+  <documentManagement/>
+</p:properties>
+</file>
+
+<file path=customXml/item2.xml><?xml version="1.0" encoding="utf-8"?>
+<?mso-contentType ?>
+<FormTemplates xmlns="http://schemas.microsoft.com/sharepoint/v3/contenttype/forms">
+  <Display>DocumentLibraryForm</Display>
+  <Edit>DocumentLibraryForm</Edit>
+  <New>DocumentLibraryForm</New>
+</FormTemplates>
+</file>
+
+<file path=customXml/item3.xml><?xml version="1.0" encoding="utf-8"?>
 <ct:contentTypeSchema xmlns:ct="http://schemas.microsoft.com/office/2006/metadata/contentType" xmlns:ma="http://schemas.microsoft.com/office/2006/metadata/properties/metaAttributes" ct:_="" ma:_="" ma:contentTypeName="Document" ma:contentTypeID="0x0101004EE29C275B0330428D2BFA2C8D576F4B" ma:contentTypeVersion="0" ma:contentTypeDescription="Een nieuw document maken." ma:contentTypeScope="" ma:versionID="6f3e0ea117c09d99e40ae3b100a299dc">
   <xsd:schema xmlns:xsd="http://www.w3.org/2001/XMLSchema" xmlns:xs="http://www.w3.org/2001/XMLSchema" xmlns:p="http://schemas.microsoft.com/office/2006/metadata/properties" targetNamespace="http://schemas.microsoft.com/office/2006/metadata/properties" ma:root="true" ma:fieldsID="1978a156f712f99d6452530788f7ffe9">
     <xsd:element name="properties">
@@ -6821,38 +10079,7 @@
 </ct:contentTypeSchema>
 </file>
 
-<file path=customXml/item2.xml><?xml version="1.0" encoding="utf-8"?>
-<p:properties xmlns:p="http://schemas.microsoft.com/office/2006/metadata/properties" xmlns:xsi="http://www.w3.org/2001/XMLSchema-instance" xmlns:pc="http://schemas.microsoft.com/office/infopath/2007/PartnerControls">
-  <documentManagement/>
-</p:properties>
-</file>
-
-<file path=customXml/item3.xml><?xml version="1.0" encoding="utf-8"?>
-<?mso-contentType ?>
-<FormTemplates xmlns="http://schemas.microsoft.com/sharepoint/v3/contenttype/forms">
-  <Display>DocumentLibraryForm</Display>
-  <Edit>DocumentLibraryForm</Edit>
-  <New>DocumentLibraryForm</New>
-</FormTemplates>
-</file>
-
 <file path=customXml/itemProps1.xml><?xml version="1.0" encoding="utf-8"?>
-<ds:datastoreItem xmlns:ds="http://schemas.openxmlformats.org/officeDocument/2006/customXml" ds:itemID="{7C812B3D-632E-45B1-BE3D-5F5FC6F96A1A}">
-  <ds:schemaRefs>
-    <ds:schemaRef ds:uri="http://schemas.microsoft.com/office/2006/metadata/contentType"/>
-    <ds:schemaRef ds:uri="http://schemas.microsoft.com/office/2006/metadata/properties/metaAttributes"/>
-    <ds:schemaRef ds:uri="http://www.w3.org/2001/XMLSchema"/>
-    <ds:schemaRef ds:uri="http://schemas.microsoft.com/office/2006/metadata/properties"/>
-    <ds:schemaRef ds:uri="http://schemas.openxmlformats.org/package/2006/metadata/core-properties"/>
-    <ds:schemaRef ds:uri="http://purl.org/dc/elements/1.1/"/>
-    <ds:schemaRef ds:uri="http://purl.org/dc/terms/"/>
-    <ds:schemaRef ds:uri="http://schemas.microsoft.com/internal/obd"/>
-    <ds:schemaRef ds:uri="http://schemas.microsoft.com/office/infopath/2007/PartnerControls"/>
-  </ds:schemaRefs>
-</ds:datastoreItem>
-</file>
-
-<file path=customXml/itemProps2.xml><?xml version="1.0" encoding="utf-8"?>
 <ds:datastoreItem xmlns:ds="http://schemas.openxmlformats.org/officeDocument/2006/customXml" ds:itemID="{A03AAC8F-903D-4F48-B309-C4EB3B4EEDDC}">
   <ds:schemaRefs>
     <ds:schemaRef ds:uri="http://purl.org/dc/terms/"/>
@@ -6867,10 +10094,26 @@
 </ds:datastoreItem>
 </file>
 
-<file path=customXml/itemProps3.xml><?xml version="1.0" encoding="utf-8"?>
+<file path=customXml/itemProps2.xml><?xml version="1.0" encoding="utf-8"?>
 <ds:datastoreItem xmlns:ds="http://schemas.openxmlformats.org/officeDocument/2006/customXml" ds:itemID="{C58370CC-8AF3-4E85-911D-3C7AD1FAAE10}">
   <ds:schemaRefs>
     <ds:schemaRef ds:uri="http://schemas.microsoft.com/sharepoint/v3/contenttype/forms"/>
   </ds:schemaRefs>
 </ds:datastoreItem>
+</file>
+
+<file path=customXml/itemProps3.xml><?xml version="1.0" encoding="utf-8"?>
+<ds:datastoreItem xmlns:ds="http://schemas.openxmlformats.org/officeDocument/2006/customXml" ds:itemID="{7C812B3D-632E-45B1-BE3D-5F5FC6F96A1A}">
+  <ds:schemaRefs>
+    <ds:schemaRef ds:uri="http://schemas.microsoft.com/office/2006/metadata/contentType"/>
+    <ds:schemaRef ds:uri="http://schemas.microsoft.com/office/2006/metadata/properties/metaAttributes"/>
+    <ds:schemaRef ds:uri="http://www.w3.org/2001/XMLSchema"/>
+    <ds:schemaRef ds:uri="http://schemas.microsoft.com/office/2006/metadata/properties"/>
+    <ds:schemaRef ds:uri="http://schemas.openxmlformats.org/package/2006/metadata/core-properties"/>
+    <ds:schemaRef ds:uri="http://purl.org/dc/elements/1.1/"/>
+    <ds:schemaRef ds:uri="http://purl.org/dc/terms/"/>
+    <ds:schemaRef ds:uri="http://schemas.microsoft.com/internal/obd"/>
+    <ds:schemaRef ds:uri="http://schemas.microsoft.com/office/infopath/2007/PartnerControls"/>
+  </ds:schemaRefs>
+</ds:datastoreItem>
 </file>